--- a/Ruslan_Dubas_Presentation.pptx
+++ b/Ruslan_Dubas_Presentation.pptx
@@ -6,6 +6,8 @@
   </p:sldMasterIdLst>
   <p:sldIdLst>
     <p:sldId id="256" r:id="rId2"/>
+    <p:sldId id="257" r:id="rId3"/>
+    <p:sldId id="258" r:id="rId4"/>
   </p:sldIdLst>
   <p:sldSz cx="12192000" cy="6858000"/>
   <p:notesSz cx="6858000" cy="9144000"/>
@@ -104,6 +106,11 @@
       </a:defRPr>
     </a:lvl9pPr>
   </p:defaultTextStyle>
+  <p:extLst>
+    <p:ext uri="{EFAFB233-063F-42B5-8137-9DF3F51BA10A}">
+      <p15:sldGuideLst xmlns:p15="http://schemas.microsoft.com/office/powerpoint/2012/main"/>
+    </p:ext>
+  </p:extLst>
 </p:presentation>
 </file>
 
@@ -3434,6 +3441,273 @@
 </p:sld>
 </file>
 
+<file path=ppt/slides/slide2.xml><?xml version="1.0" encoding="utf-8"?>
+<p:sld xmlns:a="http://schemas.openxmlformats.org/drawingml/2006/main" xmlns:r="http://schemas.openxmlformats.org/officeDocument/2006/relationships" xmlns:p="http://schemas.openxmlformats.org/presentationml/2006/main">
+  <p:cSld>
+    <p:spTree>
+      <p:nvGrpSpPr>
+        <p:cNvPr id="1" name=""/>
+        <p:cNvGrpSpPr/>
+        <p:nvPr/>
+      </p:nvGrpSpPr>
+      <p:grpSpPr>
+        <a:xfrm>
+          <a:off x="0" y="0"/>
+          <a:ext cx="0" cy="0"/>
+          <a:chOff x="0" y="0"/>
+          <a:chExt cx="0" cy="0"/>
+        </a:xfrm>
+      </p:grpSpPr>
+      <p:sp>
+        <p:nvSpPr>
+          <p:cNvPr id="2" name="Title 1">
+            <a:extLst>
+              <a:ext uri="{FF2B5EF4-FFF2-40B4-BE49-F238E27FC236}">
+                <a16:creationId xmlns:a16="http://schemas.microsoft.com/office/drawing/2014/main" id="{10D18226-B4CD-5E33-C732-F8BBA7D1E8F2}"/>
+              </a:ext>
+            </a:extLst>
+          </p:cNvPr>
+          <p:cNvSpPr>
+            <a:spLocks noGrp="1"/>
+          </p:cNvSpPr>
+          <p:nvPr>
+            <p:ph type="title"/>
+          </p:nvPr>
+        </p:nvSpPr>
+        <p:spPr/>
+        <p:txBody>
+          <a:bodyPr/>
+          <a:lstStyle/>
+          <a:p>
+            <a:r>
+              <a:rPr lang="en-US" dirty="0" err="1"/>
+              <a:t>Propy</a:t>
+            </a:r>
+            <a:r>
+              <a:rPr lang="en-US" dirty="0"/>
+              <a:t>: </a:t>
+            </a:r>
+            <a:r>
+              <a:rPr lang="en-US" sz="2500" dirty="0"/>
+              <a:t>Buy and Sell homes – faster, easier and more securely		</a:t>
+            </a:r>
+          </a:p>
+        </p:txBody>
+      </p:sp>
+      <p:sp>
+        <p:nvSpPr>
+          <p:cNvPr id="3" name="Content Placeholder 2">
+            <a:extLst>
+              <a:ext uri="{FF2B5EF4-FFF2-40B4-BE49-F238E27FC236}">
+                <a16:creationId xmlns:a16="http://schemas.microsoft.com/office/drawing/2014/main" id="{042F7254-8791-5024-321D-70D3C9A5A029}"/>
+              </a:ext>
+            </a:extLst>
+          </p:cNvPr>
+          <p:cNvSpPr>
+            <a:spLocks noGrp="1"/>
+          </p:cNvSpPr>
+          <p:nvPr>
+            <p:ph idx="1"/>
+          </p:nvPr>
+        </p:nvSpPr>
+        <p:spPr/>
+        <p:txBody>
+          <a:bodyPr/>
+          <a:lstStyle/>
+          <a:p>
+            <a:r>
+              <a:rPr lang="en-US" dirty="0"/>
+              <a:t>Industry: Real Estate</a:t>
+            </a:r>
+          </a:p>
+          <a:p>
+            <a:r>
+              <a:rPr lang="en-US" dirty="0"/>
+              <a:t>Year Founded: 2016</a:t>
+            </a:r>
+          </a:p>
+          <a:p>
+            <a:r>
+              <a:rPr lang="en-US" dirty="0"/>
+              <a:t>Headquarters: Palo Alto, California</a:t>
+            </a:r>
+          </a:p>
+          <a:p>
+            <a:endParaRPr lang="en-US" dirty="0"/>
+          </a:p>
+          <a:p>
+            <a:r>
+              <a:rPr lang="en-US" dirty="0"/>
+              <a:t>Vision: Removing barriers to real estate ownership, enabling self-driving real estate transactions with all of the logistics seamlessly executed on the back-end </a:t>
+            </a:r>
+          </a:p>
+        </p:txBody>
+      </p:sp>
+    </p:spTree>
+    <p:extLst>
+      <p:ext uri="{BB962C8B-B14F-4D97-AF65-F5344CB8AC3E}">
+        <p14:creationId xmlns:p14="http://schemas.microsoft.com/office/powerpoint/2010/main" val="1478344738"/>
+      </p:ext>
+    </p:extLst>
+  </p:cSld>
+  <p:clrMapOvr>
+    <a:masterClrMapping/>
+  </p:clrMapOvr>
+</p:sld>
+</file>
+
+<file path=ppt/slides/slide3.xml><?xml version="1.0" encoding="utf-8"?>
+<p:sld xmlns:a="http://schemas.openxmlformats.org/drawingml/2006/main" xmlns:r="http://schemas.openxmlformats.org/officeDocument/2006/relationships" xmlns:p="http://schemas.openxmlformats.org/presentationml/2006/main">
+  <p:cSld>
+    <p:spTree>
+      <p:nvGrpSpPr>
+        <p:cNvPr id="1" name=""/>
+        <p:cNvGrpSpPr/>
+        <p:nvPr/>
+      </p:nvGrpSpPr>
+      <p:grpSpPr>
+        <a:xfrm>
+          <a:off x="0" y="0"/>
+          <a:ext cx="0" cy="0"/>
+          <a:chOff x="0" y="0"/>
+          <a:chExt cx="0" cy="0"/>
+        </a:xfrm>
+      </p:grpSpPr>
+      <p:sp>
+        <p:nvSpPr>
+          <p:cNvPr id="2" name="Title 1">
+            <a:extLst>
+              <a:ext uri="{FF2B5EF4-FFF2-40B4-BE49-F238E27FC236}">
+                <a16:creationId xmlns:a16="http://schemas.microsoft.com/office/drawing/2014/main" id="{94F7BC24-49EC-0D1A-F96F-9A9856E5D738}"/>
+              </a:ext>
+            </a:extLst>
+          </p:cNvPr>
+          <p:cNvSpPr>
+            <a:spLocks noGrp="1"/>
+          </p:cNvSpPr>
+          <p:nvPr>
+            <p:ph type="title"/>
+          </p:nvPr>
+        </p:nvSpPr>
+        <p:spPr/>
+        <p:txBody>
+          <a:bodyPr/>
+          <a:lstStyle/>
+          <a:p>
+            <a:r>
+              <a:rPr lang="en-US" dirty="0" err="1"/>
+              <a:t>Propy</a:t>
+            </a:r>
+            <a:r>
+              <a:rPr lang="en-US" dirty="0"/>
+              <a:t>: blockchain based title registry system.	</a:t>
+            </a:r>
+          </a:p>
+        </p:txBody>
+      </p:sp>
+      <p:sp>
+        <p:nvSpPr>
+          <p:cNvPr id="3" name="Content Placeholder 2">
+            <a:extLst>
+              <a:ext uri="{FF2B5EF4-FFF2-40B4-BE49-F238E27FC236}">
+                <a16:creationId xmlns:a16="http://schemas.microsoft.com/office/drawing/2014/main" id="{A5444709-E836-428B-3F8D-1D0B42839F84}"/>
+              </a:ext>
+            </a:extLst>
+          </p:cNvPr>
+          <p:cNvSpPr>
+            <a:spLocks noGrp="1"/>
+          </p:cNvSpPr>
+          <p:nvPr>
+            <p:ph idx="1"/>
+          </p:nvPr>
+        </p:nvSpPr>
+        <p:spPr/>
+        <p:txBody>
+          <a:bodyPr>
+            <a:normAutofit fontScale="77500" lnSpcReduction="20000"/>
+          </a:bodyPr>
+          <a:lstStyle/>
+          <a:p>
+            <a:r>
+              <a:rPr lang="en-US" dirty="0"/>
+              <a:t>Type of chain and consensus</a:t>
+            </a:r>
+          </a:p>
+          <a:p>
+            <a:endParaRPr lang="en-US" dirty="0"/>
+          </a:p>
+          <a:p>
+            <a:r>
+              <a:rPr lang="en-US" dirty="0"/>
+              <a:t>Does it have native cryptocurrency?</a:t>
+            </a:r>
+          </a:p>
+          <a:p>
+            <a:r>
+              <a:rPr lang="en-US" dirty="0"/>
+              <a:t>Is there an API or SDK?</a:t>
+            </a:r>
+          </a:p>
+          <a:p>
+            <a:endParaRPr lang="en-US" dirty="0"/>
+          </a:p>
+          <a:p>
+            <a:r>
+              <a:rPr lang="en-US" dirty="0"/>
+              <a:t>Governance</a:t>
+            </a:r>
+          </a:p>
+          <a:p>
+            <a:r>
+              <a:rPr lang="en-US" dirty="0"/>
+              <a:t>Geographical scope</a:t>
+            </a:r>
+          </a:p>
+          <a:p>
+            <a:r>
+              <a:rPr lang="en-US" dirty="0"/>
+              <a:t>Stats on membership</a:t>
+            </a:r>
+          </a:p>
+          <a:p>
+            <a:r>
+              <a:rPr lang="en-US" dirty="0"/>
+              <a:t>Type of members:</a:t>
+            </a:r>
+          </a:p>
+          <a:p>
+            <a:r>
+              <a:rPr lang="en-US" dirty="0"/>
+              <a:t>Membership levels and pricing</a:t>
+            </a:r>
+          </a:p>
+          <a:p>
+            <a:r>
+              <a:rPr lang="en-US" dirty="0"/>
+              <a:t>Types of members (role, function, or specialization in ecosystem)</a:t>
+            </a:r>
+          </a:p>
+          <a:p>
+            <a:r>
+              <a:rPr lang="en-US" dirty="0"/>
+              <a:t>Projects or solutions</a:t>
+            </a:r>
+          </a:p>
+        </p:txBody>
+      </p:sp>
+    </p:spTree>
+    <p:extLst>
+      <p:ext uri="{BB962C8B-B14F-4D97-AF65-F5344CB8AC3E}">
+        <p14:creationId xmlns:p14="http://schemas.microsoft.com/office/powerpoint/2010/main" val="284640984"/>
+      </p:ext>
+    </p:extLst>
+  </p:cSld>
+  <p:clrMapOvr>
+    <a:masterClrMapping/>
+  </p:clrMapOvr>
+</p:sld>
+</file>
+
 <file path=ppt/theme/theme1.xml><?xml version="1.0" encoding="utf-8"?>
 <a:theme xmlns:a="http://schemas.openxmlformats.org/drawingml/2006/main" name="Office Theme">
   <a:themeElements>

--- a/Ruslan_Dubas_Presentation.pptx
+++ b/Ruslan_Dubas_Presentation.pptx
@@ -6,8 +6,11 @@
   </p:sldMasterIdLst>
   <p:sldIdLst>
     <p:sldId id="256" r:id="rId2"/>
-    <p:sldId id="257" r:id="rId3"/>
-    <p:sldId id="258" r:id="rId4"/>
+    <p:sldId id="260" r:id="rId3"/>
+    <p:sldId id="257" r:id="rId4"/>
+    <p:sldId id="259" r:id="rId5"/>
+    <p:sldId id="261" r:id="rId6"/>
+    <p:sldId id="258" r:id="rId7"/>
   </p:sldIdLst>
   <p:sldSz cx="12192000" cy="6858000"/>
   <p:notesSz cx="6858000" cy="9144000"/>
@@ -114,6 +117,178 @@
 </p:presentation>
 </file>
 
+<file path=ppt/changesInfos/changesInfo1.xml><?xml version="1.0" encoding="utf-8"?>
+<pc:chgInfo xmlns:a="http://schemas.openxmlformats.org/drawingml/2006/main" xmlns:r="http://schemas.openxmlformats.org/officeDocument/2006/relationships" xmlns:ac="http://schemas.microsoft.com/office/drawing/2013/main/command" xmlns:pc="http://schemas.microsoft.com/office/powerpoint/2013/main/command">
+  <pc:docChgLst>
+    <pc:chgData name="Ruslan Dubas" userId="3ebe4fc99fa1700a" providerId="LiveId" clId="{E1E3612D-A3FB-40DD-9E2D-2F91D321FB8C}"/>
+    <pc:docChg chg="undo custSel addSld delSld modSld sldOrd">
+      <pc:chgData name="Ruslan Dubas" userId="3ebe4fc99fa1700a" providerId="LiveId" clId="{E1E3612D-A3FB-40DD-9E2D-2F91D321FB8C}" dt="2022-12-07T01:03:03.716" v="593" actId="1036"/>
+      <pc:docMkLst>
+        <pc:docMk/>
+      </pc:docMkLst>
+      <pc:sldChg chg="modSp mod">
+        <pc:chgData name="Ruslan Dubas" userId="3ebe4fc99fa1700a" providerId="LiveId" clId="{E1E3612D-A3FB-40DD-9E2D-2F91D321FB8C}" dt="2022-12-07T00:55:00.501" v="552" actId="1036"/>
+        <pc:sldMkLst>
+          <pc:docMk/>
+          <pc:sldMk cId="3012971110" sldId="256"/>
+        </pc:sldMkLst>
+        <pc:spChg chg="mod">
+          <ac:chgData name="Ruslan Dubas" userId="3ebe4fc99fa1700a" providerId="LiveId" clId="{E1E3612D-A3FB-40DD-9E2D-2F91D321FB8C}" dt="2022-12-07T00:55:00.501" v="552" actId="1036"/>
+          <ac:spMkLst>
+            <pc:docMk/>
+            <pc:sldMk cId="3012971110" sldId="256"/>
+            <ac:spMk id="3" creationId="{3060654C-24F0-4CED-D67F-0D88C14B404D}"/>
+          </ac:spMkLst>
+        </pc:spChg>
+      </pc:sldChg>
+      <pc:sldChg chg="modSp mod">
+        <pc:chgData name="Ruslan Dubas" userId="3ebe4fc99fa1700a" providerId="LiveId" clId="{E1E3612D-A3FB-40DD-9E2D-2F91D321FB8C}" dt="2022-12-07T01:00:50.150" v="580" actId="1036"/>
+        <pc:sldMkLst>
+          <pc:docMk/>
+          <pc:sldMk cId="1478344738" sldId="257"/>
+        </pc:sldMkLst>
+        <pc:spChg chg="mod">
+          <ac:chgData name="Ruslan Dubas" userId="3ebe4fc99fa1700a" providerId="LiveId" clId="{E1E3612D-A3FB-40DD-9E2D-2F91D321FB8C}" dt="2022-12-07T01:00:50.150" v="580" actId="1036"/>
+          <ac:spMkLst>
+            <pc:docMk/>
+            <pc:sldMk cId="1478344738" sldId="257"/>
+            <ac:spMk id="2" creationId="{10D18226-B4CD-5E33-C732-F8BBA7D1E8F2}"/>
+          </ac:spMkLst>
+        </pc:spChg>
+        <pc:spChg chg="mod">
+          <ac:chgData name="Ruslan Dubas" userId="3ebe4fc99fa1700a" providerId="LiveId" clId="{E1E3612D-A3FB-40DD-9E2D-2F91D321FB8C}" dt="2022-12-07T00:56:07.137" v="556" actId="1038"/>
+          <ac:spMkLst>
+            <pc:docMk/>
+            <pc:sldMk cId="1478344738" sldId="257"/>
+            <ac:spMk id="3" creationId="{042F7254-8791-5024-321D-70D3C9A5A029}"/>
+          </ac:spMkLst>
+        </pc:spChg>
+      </pc:sldChg>
+      <pc:sldChg chg="modSp mod">
+        <pc:chgData name="Ruslan Dubas" userId="3ebe4fc99fa1700a" providerId="LiveId" clId="{E1E3612D-A3FB-40DD-9E2D-2F91D321FB8C}" dt="2022-12-07T01:03:03.716" v="593" actId="1036"/>
+        <pc:sldMkLst>
+          <pc:docMk/>
+          <pc:sldMk cId="284640984" sldId="258"/>
+        </pc:sldMkLst>
+        <pc:spChg chg="mod">
+          <ac:chgData name="Ruslan Dubas" userId="3ebe4fc99fa1700a" providerId="LiveId" clId="{E1E3612D-A3FB-40DD-9E2D-2F91D321FB8C}" dt="2022-12-07T01:03:03.716" v="593" actId="1036"/>
+          <ac:spMkLst>
+            <pc:docMk/>
+            <pc:sldMk cId="284640984" sldId="258"/>
+            <ac:spMk id="2" creationId="{94F7BC24-49EC-0D1A-F96F-9A9856E5D738}"/>
+          </ac:spMkLst>
+        </pc:spChg>
+        <pc:spChg chg="mod">
+          <ac:chgData name="Ruslan Dubas" userId="3ebe4fc99fa1700a" providerId="LiveId" clId="{E1E3612D-A3FB-40DD-9E2D-2F91D321FB8C}" dt="2022-12-07T01:01:51.952" v="587" actId="20577"/>
+          <ac:spMkLst>
+            <pc:docMk/>
+            <pc:sldMk cId="284640984" sldId="258"/>
+            <ac:spMk id="3" creationId="{A5444709-E836-428B-3F8D-1D0B42839F84}"/>
+          </ac:spMkLst>
+        </pc:spChg>
+      </pc:sldChg>
+      <pc:sldChg chg="modSp new mod">
+        <pc:chgData name="Ruslan Dubas" userId="3ebe4fc99fa1700a" providerId="LiveId" clId="{E1E3612D-A3FB-40DD-9E2D-2F91D321FB8C}" dt="2022-12-07T00:56:28.234" v="557" actId="13926"/>
+        <pc:sldMkLst>
+          <pc:docMk/>
+          <pc:sldMk cId="3183997707" sldId="259"/>
+        </pc:sldMkLst>
+        <pc:spChg chg="mod">
+          <ac:chgData name="Ruslan Dubas" userId="3ebe4fc99fa1700a" providerId="LiveId" clId="{E1E3612D-A3FB-40DD-9E2D-2F91D321FB8C}" dt="2022-12-07T00:22:00.458" v="3"/>
+          <ac:spMkLst>
+            <pc:docMk/>
+            <pc:sldMk cId="3183997707" sldId="259"/>
+            <ac:spMk id="2" creationId="{98ED8A4C-A2F2-7F55-09CD-FF7B12112188}"/>
+          </ac:spMkLst>
+        </pc:spChg>
+        <pc:spChg chg="mod">
+          <ac:chgData name="Ruslan Dubas" userId="3ebe4fc99fa1700a" providerId="LiveId" clId="{E1E3612D-A3FB-40DD-9E2D-2F91D321FB8C}" dt="2022-12-07T00:56:28.234" v="557" actId="13926"/>
+          <ac:spMkLst>
+            <pc:docMk/>
+            <pc:sldMk cId="3183997707" sldId="259"/>
+            <ac:spMk id="3" creationId="{7EDF6835-2FE3-8455-3385-342ABDEAE689}"/>
+          </ac:spMkLst>
+        </pc:spChg>
+      </pc:sldChg>
+      <pc:sldChg chg="modSp new mod ord">
+        <pc:chgData name="Ruslan Dubas" userId="3ebe4fc99fa1700a" providerId="LiveId" clId="{E1E3612D-A3FB-40DD-9E2D-2F91D321FB8C}" dt="2022-12-07T00:58:55.731" v="576" actId="1038"/>
+        <pc:sldMkLst>
+          <pc:docMk/>
+          <pc:sldMk cId="2010029786" sldId="260"/>
+        </pc:sldMkLst>
+        <pc:spChg chg="mod">
+          <ac:chgData name="Ruslan Dubas" userId="3ebe4fc99fa1700a" providerId="LiveId" clId="{E1E3612D-A3FB-40DD-9E2D-2F91D321FB8C}" dt="2022-12-07T00:54:46.308" v="549" actId="1037"/>
+          <ac:spMkLst>
+            <pc:docMk/>
+            <pc:sldMk cId="2010029786" sldId="260"/>
+            <ac:spMk id="2" creationId="{93D5004C-9238-62BA-D1C7-95BE22A9C953}"/>
+          </ac:spMkLst>
+        </pc:spChg>
+        <pc:spChg chg="mod">
+          <ac:chgData name="Ruslan Dubas" userId="3ebe4fc99fa1700a" providerId="LiveId" clId="{E1E3612D-A3FB-40DD-9E2D-2F91D321FB8C}" dt="2022-12-07T00:58:55.731" v="576" actId="1038"/>
+          <ac:spMkLst>
+            <pc:docMk/>
+            <pc:sldMk cId="2010029786" sldId="260"/>
+            <ac:spMk id="3" creationId="{C5A36CA2-20F0-44F3-79EB-88DD01153F3A}"/>
+          </ac:spMkLst>
+        </pc:spChg>
+      </pc:sldChg>
+      <pc:sldChg chg="new del">
+        <pc:chgData name="Ruslan Dubas" userId="3ebe4fc99fa1700a" providerId="LiveId" clId="{E1E3612D-A3FB-40DD-9E2D-2F91D321FB8C}" dt="2022-12-07T00:40:47.148" v="350" actId="680"/>
+        <pc:sldMkLst>
+          <pc:docMk/>
+          <pc:sldMk cId="335425075" sldId="261"/>
+        </pc:sldMkLst>
+      </pc:sldChg>
+      <pc:sldChg chg="new del">
+        <pc:chgData name="Ruslan Dubas" userId="3ebe4fc99fa1700a" providerId="LiveId" clId="{E1E3612D-A3FB-40DD-9E2D-2F91D321FB8C}" dt="2022-12-07T00:40:51.372" v="352" actId="680"/>
+        <pc:sldMkLst>
+          <pc:docMk/>
+          <pc:sldMk cId="2238252529" sldId="261"/>
+        </pc:sldMkLst>
+      </pc:sldChg>
+      <pc:sldChg chg="modSp new mod">
+        <pc:chgData name="Ruslan Dubas" userId="3ebe4fc99fa1700a" providerId="LiveId" clId="{E1E3612D-A3FB-40DD-9E2D-2F91D321FB8C}" dt="2022-12-07T00:56:56.566" v="559" actId="1038"/>
+        <pc:sldMkLst>
+          <pc:docMk/>
+          <pc:sldMk cId="2671813442" sldId="261"/>
+        </pc:sldMkLst>
+        <pc:spChg chg="mod">
+          <ac:chgData name="Ruslan Dubas" userId="3ebe4fc99fa1700a" providerId="LiveId" clId="{E1E3612D-A3FB-40DD-9E2D-2F91D321FB8C}" dt="2022-12-07T00:49:48.548" v="463" actId="1038"/>
+          <ac:spMkLst>
+            <pc:docMk/>
+            <pc:sldMk cId="2671813442" sldId="261"/>
+            <ac:spMk id="2" creationId="{C60DDFC4-D184-01AA-94C0-638AA1A0EABC}"/>
+          </ac:spMkLst>
+        </pc:spChg>
+        <pc:spChg chg="mod">
+          <ac:chgData name="Ruslan Dubas" userId="3ebe4fc99fa1700a" providerId="LiveId" clId="{E1E3612D-A3FB-40DD-9E2D-2F91D321FB8C}" dt="2022-12-07T00:56:56.566" v="559" actId="1038"/>
+          <ac:spMkLst>
+            <pc:docMk/>
+            <pc:sldMk cId="2671813442" sldId="261"/>
+            <ac:spMk id="3" creationId="{CC3A958C-C4D8-0646-677C-C9CE1C3AC854}"/>
+          </ac:spMkLst>
+        </pc:spChg>
+      </pc:sldChg>
+      <pc:sldChg chg="new del">
+        <pc:chgData name="Ruslan Dubas" userId="3ebe4fc99fa1700a" providerId="LiveId" clId="{E1E3612D-A3FB-40DD-9E2D-2F91D321FB8C}" dt="2022-12-07T00:40:43.919" v="348" actId="680"/>
+        <pc:sldMkLst>
+          <pc:docMk/>
+          <pc:sldMk cId="3000509957" sldId="261"/>
+        </pc:sldMkLst>
+      </pc:sldChg>
+      <pc:sldChg chg="new del">
+        <pc:chgData name="Ruslan Dubas" userId="3ebe4fc99fa1700a" providerId="LiveId" clId="{E1E3612D-A3FB-40DD-9E2D-2F91D321FB8C}" dt="2022-12-07T00:40:43.081" v="347" actId="680"/>
+        <pc:sldMkLst>
+          <pc:docMk/>
+          <pc:sldMk cId="518353093" sldId="262"/>
+        </pc:sldMkLst>
+      </pc:sldChg>
+    </pc:docChg>
+  </pc:docChgLst>
+</pc:chgInfo>
+</file>
+
 <file path=ppt/slideLayouts/slideLayout1.xml><?xml version="1.0" encoding="utf-8"?>
 <p:sldLayout xmlns:a="http://schemas.openxmlformats.org/drawingml/2006/main" xmlns:r="http://schemas.openxmlformats.org/officeDocument/2006/relationships" xmlns:p="http://schemas.openxmlformats.org/presentationml/2006/main" type="title" preserve="1">
   <p:cSld name="Title Slide">
@@ -261,7 +436,7 @@
           <a:p>
             <a:fld id="{BDC60914-B87E-48D7-9302-D8DAFE91B8D8}" type="datetimeFigureOut">
               <a:rPr lang="en-US" smtClean="0"/>
-              <a:t>12/5/2022</a:t>
+              <a:t>12/6/2022</a:t>
             </a:fld>
             <a:endParaRPr lang="en-US"/>
           </a:p>
@@ -459,7 +634,7 @@
           <a:p>
             <a:fld id="{BDC60914-B87E-48D7-9302-D8DAFE91B8D8}" type="datetimeFigureOut">
               <a:rPr lang="en-US" smtClean="0"/>
-              <a:t>12/5/2022</a:t>
+              <a:t>12/6/2022</a:t>
             </a:fld>
             <a:endParaRPr lang="en-US"/>
           </a:p>
@@ -667,7 +842,7 @@
           <a:p>
             <a:fld id="{BDC60914-B87E-48D7-9302-D8DAFE91B8D8}" type="datetimeFigureOut">
               <a:rPr lang="en-US" smtClean="0"/>
-              <a:t>12/5/2022</a:t>
+              <a:t>12/6/2022</a:t>
             </a:fld>
             <a:endParaRPr lang="en-US"/>
           </a:p>
@@ -865,7 +1040,7 @@
           <a:p>
             <a:fld id="{BDC60914-B87E-48D7-9302-D8DAFE91B8D8}" type="datetimeFigureOut">
               <a:rPr lang="en-US" smtClean="0"/>
-              <a:t>12/5/2022</a:t>
+              <a:t>12/6/2022</a:t>
             </a:fld>
             <a:endParaRPr lang="en-US"/>
           </a:p>
@@ -1140,7 +1315,7 @@
           <a:p>
             <a:fld id="{BDC60914-B87E-48D7-9302-D8DAFE91B8D8}" type="datetimeFigureOut">
               <a:rPr lang="en-US" smtClean="0"/>
-              <a:t>12/5/2022</a:t>
+              <a:t>12/6/2022</a:t>
             </a:fld>
             <a:endParaRPr lang="en-US"/>
           </a:p>
@@ -1405,7 +1580,7 @@
           <a:p>
             <a:fld id="{BDC60914-B87E-48D7-9302-D8DAFE91B8D8}" type="datetimeFigureOut">
               <a:rPr lang="en-US" smtClean="0"/>
-              <a:t>12/5/2022</a:t>
+              <a:t>12/6/2022</a:t>
             </a:fld>
             <a:endParaRPr lang="en-US"/>
           </a:p>
@@ -1817,7 +1992,7 @@
           <a:p>
             <a:fld id="{BDC60914-B87E-48D7-9302-D8DAFE91B8D8}" type="datetimeFigureOut">
               <a:rPr lang="en-US" smtClean="0"/>
-              <a:t>12/5/2022</a:t>
+              <a:t>12/6/2022</a:t>
             </a:fld>
             <a:endParaRPr lang="en-US"/>
           </a:p>
@@ -1958,7 +2133,7 @@
           <a:p>
             <a:fld id="{BDC60914-B87E-48D7-9302-D8DAFE91B8D8}" type="datetimeFigureOut">
               <a:rPr lang="en-US" smtClean="0"/>
-              <a:t>12/5/2022</a:t>
+              <a:t>12/6/2022</a:t>
             </a:fld>
             <a:endParaRPr lang="en-US"/>
           </a:p>
@@ -2071,7 +2246,7 @@
           <a:p>
             <a:fld id="{BDC60914-B87E-48D7-9302-D8DAFE91B8D8}" type="datetimeFigureOut">
               <a:rPr lang="en-US" smtClean="0"/>
-              <a:t>12/5/2022</a:t>
+              <a:t>12/6/2022</a:t>
             </a:fld>
             <a:endParaRPr lang="en-US"/>
           </a:p>
@@ -2382,7 +2557,7 @@
           <a:p>
             <a:fld id="{BDC60914-B87E-48D7-9302-D8DAFE91B8D8}" type="datetimeFigureOut">
               <a:rPr lang="en-US" smtClean="0"/>
-              <a:t>12/5/2022</a:t>
+              <a:t>12/6/2022</a:t>
             </a:fld>
             <a:endParaRPr lang="en-US"/>
           </a:p>
@@ -2670,7 +2845,7 @@
           <a:p>
             <a:fld id="{BDC60914-B87E-48D7-9302-D8DAFE91B8D8}" type="datetimeFigureOut">
               <a:rPr lang="en-US" smtClean="0"/>
-              <a:t>12/5/2022</a:t>
+              <a:t>12/6/2022</a:t>
             </a:fld>
             <a:endParaRPr lang="en-US"/>
           </a:p>
@@ -2911,7 +3086,7 @@
           <a:p>
             <a:fld id="{BDC60914-B87E-48D7-9302-D8DAFE91B8D8}" type="datetimeFigureOut">
               <a:rPr lang="en-US" smtClean="0"/>
-              <a:t>12/5/2022</a:t>
+              <a:t>12/6/2022</a:t>
             </a:fld>
             <a:endParaRPr lang="en-US"/>
           </a:p>
@@ -3381,13 +3556,22 @@
             <p:ph type="subTitle" idx="1"/>
           </p:nvPr>
         </p:nvSpPr>
-        <p:spPr/>
-        <p:txBody>
-          <a:bodyPr/>
-          <a:lstStyle/>
-          <a:p>
-            <a:r>
-              <a:rPr lang="en-US" dirty="0"/>
+        <p:spPr>
+          <a:xfrm>
+            <a:off x="1543050" y="3611563"/>
+            <a:ext cx="9144000" cy="1655762"/>
+          </a:xfrm>
+        </p:spPr>
+        <p:txBody>
+          <a:bodyPr/>
+          <a:lstStyle/>
+          <a:p>
+            <a:r>
+              <a:rPr lang="en-US" dirty="0">
+                <a:highlight>
+                  <a:srgbClr val="FFFF00"/>
+                </a:highlight>
+              </a:rPr>
               <a:t>Ruslan Dubas</a:t>
             </a:r>
           </a:p>
@@ -3410,7 +3594,7 @@
             </a:r>
             <a:r>
               <a:rPr lang="en-US" sz="2000" dirty="0" err="1"/>
-              <a:t>Blcockchain</a:t>
+              <a:t>blcockchain</a:t>
             </a:r>
             <a:r>
               <a:rPr lang="en-US" sz="2000" dirty="0"/>
@@ -3463,7 +3647,7 @@
           <p:cNvPr id="2" name="Title 1">
             <a:extLst>
               <a:ext uri="{FF2B5EF4-FFF2-40B4-BE49-F238E27FC236}">
-                <a16:creationId xmlns:a16="http://schemas.microsoft.com/office/drawing/2014/main" id="{10D18226-B4CD-5E33-C732-F8BBA7D1E8F2}"/>
+                <a16:creationId xmlns:a16="http://schemas.microsoft.com/office/drawing/2014/main" id="{93D5004C-9238-62BA-D1C7-95BE22A9C953}"/>
               </a:ext>
             </a:extLst>
           </p:cNvPr>
@@ -3474,79 +3658,112 @@
             <p:ph type="title"/>
           </p:nvPr>
         </p:nvSpPr>
-        <p:spPr/>
-        <p:txBody>
-          <a:bodyPr/>
-          <a:lstStyle/>
-          <a:p>
-            <a:r>
-              <a:rPr lang="en-US" dirty="0" err="1"/>
+        <p:spPr>
+          <a:xfrm>
+            <a:off x="828675" y="365125"/>
+            <a:ext cx="10515600" cy="1325563"/>
+          </a:xfrm>
+        </p:spPr>
+        <p:txBody>
+          <a:bodyPr/>
+          <a:lstStyle/>
+          <a:p>
+            <a:r>
+              <a:rPr lang="en-US" b="1" dirty="0" err="1"/>
               <a:t>Propy</a:t>
             </a:r>
+            <a:endParaRPr lang="en-US" b="1" dirty="0"/>
+          </a:p>
+        </p:txBody>
+      </p:sp>
+      <p:sp>
+        <p:nvSpPr>
+          <p:cNvPr id="3" name="Content Placeholder 2">
+            <a:extLst>
+              <a:ext uri="{FF2B5EF4-FFF2-40B4-BE49-F238E27FC236}">
+                <a16:creationId xmlns:a16="http://schemas.microsoft.com/office/drawing/2014/main" id="{C5A36CA2-20F0-44F3-79EB-88DD01153F3A}"/>
+              </a:ext>
+            </a:extLst>
+          </p:cNvPr>
+          <p:cNvSpPr>
+            <a:spLocks noGrp="1"/>
+          </p:cNvSpPr>
+          <p:nvPr>
+            <p:ph idx="1"/>
+          </p:nvPr>
+        </p:nvSpPr>
+        <p:spPr>
+          <a:xfrm>
+            <a:off x="796926" y="1724027"/>
+            <a:ext cx="10515600" cy="4351338"/>
+          </a:xfrm>
+        </p:spPr>
+        <p:txBody>
+          <a:bodyPr/>
+          <a:lstStyle/>
+          <a:p>
+            <a:r>
+              <a:rPr lang="en-US" b="1" dirty="0" err="1"/>
+              <a:t>Propy</a:t>
+            </a:r>
+            <a:r>
+              <a:rPr lang="en-US" b="1" dirty="0"/>
+              <a:t> </a:t>
+            </a:r>
             <a:r>
               <a:rPr lang="en-US" dirty="0"/>
-              <a:t>: </a:t>
-            </a:r>
-            <a:r>
-              <a:rPr lang="en-US" sz="2500" dirty="0"/>
-              <a:t>Buy and Sell homes – faster, easier and more securely		</a:t>
-            </a:r>
-          </a:p>
-        </p:txBody>
-      </p:sp>
-      <p:sp>
-        <p:nvSpPr>
-          <p:cNvPr id="3" name="Content Placeholder 2">
-            <a:extLst>
-              <a:ext uri="{FF2B5EF4-FFF2-40B4-BE49-F238E27FC236}">
-                <a16:creationId xmlns:a16="http://schemas.microsoft.com/office/drawing/2014/main" id="{042F7254-8791-5024-321D-70D3C9A5A029}"/>
-              </a:ext>
-            </a:extLst>
-          </p:cNvPr>
-          <p:cNvSpPr>
-            <a:spLocks noGrp="1"/>
-          </p:cNvSpPr>
-          <p:nvPr>
-            <p:ph idx="1"/>
-          </p:nvPr>
-        </p:nvSpPr>
-        <p:spPr/>
-        <p:txBody>
-          <a:bodyPr/>
-          <a:lstStyle/>
+              <a:t>is a real estate transaction platform that empowers buyers, sellers, their agents, and escrow agents to close a traditional real estate deal entirely online</a:t>
+            </a:r>
+          </a:p>
+          <a:p>
+            <a:endParaRPr lang="en-US" dirty="0"/>
+          </a:p>
           <a:p>
             <a:r>
               <a:rPr lang="en-US" dirty="0"/>
-              <a:t>Industry: Real Estate</a:t>
-            </a:r>
-          </a:p>
-          <a:p>
+              <a:t>Platform provides access to the legal documents signifying ownership</a:t>
+            </a:r>
+          </a:p>
+          <a:p>
+            <a:endParaRPr lang="en-US" dirty="0"/>
+          </a:p>
+          <a:p>
+            <a:r>
+              <a:rPr lang="en-US" b="1" dirty="0"/>
+              <a:t>The Promise:</a:t>
+            </a:r>
             <a:r>
               <a:rPr lang="en-US" dirty="0"/>
-              <a:t>Year Founded: 2016</a:t>
-            </a:r>
-          </a:p>
-          <a:p>
+              <a:t> Reduced cost to the buyers and </a:t>
+            </a:r>
+            <a:r>
+              <a:rPr lang="en-US" dirty="0">
+                <a:highlight>
+                  <a:srgbClr val="FFFF00"/>
+                </a:highlight>
+              </a:rPr>
+              <a:t>ability to buy a real estate property in a few minutes</a:t>
+            </a:r>
             <a:r>
               <a:rPr lang="en-US" dirty="0"/>
-              <a:t>Headquarters: Palo Alto, California</a:t>
+              <a:t> </a:t>
             </a:r>
           </a:p>
           <a:p>
             <a:endParaRPr lang="en-US" dirty="0"/>
           </a:p>
           <a:p>
-            <a:r>
-              <a:rPr lang="en-US" dirty="0"/>
-              <a:t>Vision: Removing barriers to real estate ownership, enabling self-driving real estate transactions with all of the logistics seamlessly executed on the back-end </a:t>
-            </a:r>
+            <a:pPr marL="0" indent="0">
+              <a:buNone/>
+            </a:pPr>
+            <a:endParaRPr lang="en-US" dirty="0"/>
           </a:p>
         </p:txBody>
       </p:sp>
     </p:spTree>
     <p:extLst>
       <p:ext uri="{BB962C8B-B14F-4D97-AF65-F5344CB8AC3E}">
-        <p14:creationId xmlns:p14="http://schemas.microsoft.com/office/powerpoint/2010/main" val="1478344738"/>
+        <p14:creationId xmlns:p14="http://schemas.microsoft.com/office/powerpoint/2010/main" val="2010029786"/>
       </p:ext>
     </p:extLst>
   </p:cSld>
@@ -3578,7 +3795,7 @@
           <p:cNvPr id="2" name="Title 1">
             <a:extLst>
               <a:ext uri="{FF2B5EF4-FFF2-40B4-BE49-F238E27FC236}">
-                <a16:creationId xmlns:a16="http://schemas.microsoft.com/office/drawing/2014/main" id="{94F7BC24-49EC-0D1A-F96F-9A9856E5D738}"/>
+                <a16:creationId xmlns:a16="http://schemas.microsoft.com/office/drawing/2014/main" id="{10D18226-B4CD-5E33-C732-F8BBA7D1E8F2}"/>
               </a:ext>
             </a:extLst>
           </p:cNvPr>
@@ -3589,7 +3806,285 @@
             <p:ph type="title"/>
           </p:nvPr>
         </p:nvSpPr>
+        <p:spPr>
+          <a:xfrm>
+            <a:off x="857250" y="391583"/>
+            <a:ext cx="10515600" cy="1325563"/>
+          </a:xfrm>
+        </p:spPr>
+        <p:txBody>
+          <a:bodyPr/>
+          <a:lstStyle/>
+          <a:p>
+            <a:r>
+              <a:rPr lang="en-US" b="1" dirty="0" err="1"/>
+              <a:t>Propy</a:t>
+            </a:r>
+            <a:endParaRPr lang="en-US" sz="2500" b="1" dirty="0"/>
+          </a:p>
+        </p:txBody>
+      </p:sp>
+      <p:sp>
+        <p:nvSpPr>
+          <p:cNvPr id="3" name="Content Placeholder 2">
+            <a:extLst>
+              <a:ext uri="{FF2B5EF4-FFF2-40B4-BE49-F238E27FC236}">
+                <a16:creationId xmlns:a16="http://schemas.microsoft.com/office/drawing/2014/main" id="{042F7254-8791-5024-321D-70D3C9A5A029}"/>
+              </a:ext>
+            </a:extLst>
+          </p:cNvPr>
+          <p:cNvSpPr>
+            <a:spLocks noGrp="1"/>
+          </p:cNvSpPr>
+          <p:nvPr>
+            <p:ph idx="1"/>
+          </p:nvPr>
+        </p:nvSpPr>
+        <p:spPr>
+          <a:xfrm>
+            <a:off x="828675" y="1816100"/>
+            <a:ext cx="10515600" cy="4351338"/>
+          </a:xfrm>
+        </p:spPr>
+        <p:txBody>
+          <a:bodyPr/>
+          <a:lstStyle/>
+          <a:p>
+            <a:r>
+              <a:rPr lang="en-US" dirty="0"/>
+              <a:t>Industry: Real Estate</a:t>
+            </a:r>
+          </a:p>
+          <a:p>
+            <a:r>
+              <a:rPr lang="en-US" dirty="0"/>
+              <a:t>Year Founded: 2016</a:t>
+            </a:r>
+          </a:p>
+          <a:p>
+            <a:r>
+              <a:rPr lang="en-US" dirty="0"/>
+              <a:t>Headquarters: Palo Alto, California</a:t>
+            </a:r>
+          </a:p>
+          <a:p>
+            <a:r>
+              <a:rPr lang="en-US" dirty="0"/>
+              <a:t>Geographical scope: Global </a:t>
+            </a:r>
+            <a:r>
+              <a:rPr lang="en-US" dirty="0">
+                <a:highlight>
+                  <a:srgbClr val="FFFF00"/>
+                </a:highlight>
+              </a:rPr>
+              <a:t>(International Real Estate Transactions)</a:t>
+            </a:r>
+          </a:p>
+          <a:p>
+            <a:pPr marL="0" indent="0">
+              <a:buNone/>
+            </a:pPr>
+            <a:endParaRPr lang="en-US" dirty="0"/>
+          </a:p>
+          <a:p>
+            <a:r>
+              <a:rPr lang="en-US" dirty="0"/>
+              <a:t>Vision: Removing barriers to real estate ownership, enabling self-driving real estate transactions with all of the logistics seamlessly executed on the back-end </a:t>
+            </a:r>
+          </a:p>
+        </p:txBody>
+      </p:sp>
+    </p:spTree>
+    <p:extLst>
+      <p:ext uri="{BB962C8B-B14F-4D97-AF65-F5344CB8AC3E}">
+        <p14:creationId xmlns:p14="http://schemas.microsoft.com/office/powerpoint/2010/main" val="1478344738"/>
+      </p:ext>
+    </p:extLst>
+  </p:cSld>
+  <p:clrMapOvr>
+    <a:masterClrMapping/>
+  </p:clrMapOvr>
+</p:sld>
+</file>
+
+<file path=ppt/slides/slide4.xml><?xml version="1.0" encoding="utf-8"?>
+<p:sld xmlns:a="http://schemas.openxmlformats.org/drawingml/2006/main" xmlns:r="http://schemas.openxmlformats.org/officeDocument/2006/relationships" xmlns:p="http://schemas.openxmlformats.org/presentationml/2006/main">
+  <p:cSld>
+    <p:spTree>
+      <p:nvGrpSpPr>
+        <p:cNvPr id="1" name=""/>
+        <p:cNvGrpSpPr/>
+        <p:nvPr/>
+      </p:nvGrpSpPr>
+      <p:grpSpPr>
+        <a:xfrm>
+          <a:off x="0" y="0"/>
+          <a:ext cx="0" cy="0"/>
+          <a:chOff x="0" y="0"/>
+          <a:chExt cx="0" cy="0"/>
+        </a:xfrm>
+      </p:grpSpPr>
+      <p:sp>
+        <p:nvSpPr>
+          <p:cNvPr id="2" name="Title 1">
+            <a:extLst>
+              <a:ext uri="{FF2B5EF4-FFF2-40B4-BE49-F238E27FC236}">
+                <a16:creationId xmlns:a16="http://schemas.microsoft.com/office/drawing/2014/main" id="{98ED8A4C-A2F2-7F55-09CD-FF7B12112188}"/>
+              </a:ext>
+            </a:extLst>
+          </p:cNvPr>
+          <p:cNvSpPr>
+            <a:spLocks noGrp="1"/>
+          </p:cNvSpPr>
+          <p:nvPr>
+            <p:ph type="title"/>
+          </p:nvPr>
+        </p:nvSpPr>
         <p:spPr/>
+        <p:txBody>
+          <a:bodyPr/>
+          <a:lstStyle/>
+          <a:p>
+            <a:r>
+              <a:rPr lang="en-US" dirty="0"/>
+              <a:t>Type of chain and consensus</a:t>
+            </a:r>
+            <a:br>
+              <a:rPr lang="en-US" dirty="0"/>
+            </a:br>
+            <a:endParaRPr lang="en-US" dirty="0"/>
+          </a:p>
+        </p:txBody>
+      </p:sp>
+      <p:sp>
+        <p:nvSpPr>
+          <p:cNvPr id="3" name="Content Placeholder 2">
+            <a:extLst>
+              <a:ext uri="{FF2B5EF4-FFF2-40B4-BE49-F238E27FC236}">
+                <a16:creationId xmlns:a16="http://schemas.microsoft.com/office/drawing/2014/main" id="{7EDF6835-2FE3-8455-3385-342ABDEAE689}"/>
+              </a:ext>
+            </a:extLst>
+          </p:cNvPr>
+          <p:cNvSpPr>
+            <a:spLocks noGrp="1"/>
+          </p:cNvSpPr>
+          <p:nvPr>
+            <p:ph idx="1"/>
+          </p:nvPr>
+        </p:nvSpPr>
+        <p:spPr/>
+        <p:txBody>
+          <a:bodyPr>
+            <a:normAutofit/>
+          </a:bodyPr>
+          <a:lstStyle/>
+          <a:p>
+            <a:r>
+              <a:rPr lang="en-US" dirty="0"/>
+              <a:t>The purchase offer, payment, and deeds are uploaded to an </a:t>
+            </a:r>
+            <a:r>
+              <a:rPr lang="en-US" b="1" dirty="0"/>
+              <a:t>immutable blockchain</a:t>
+            </a:r>
+          </a:p>
+          <a:p>
+            <a:endParaRPr lang="en-US" b="1" dirty="0"/>
+          </a:p>
+          <a:p>
+            <a:r>
+              <a:rPr lang="en-US" b="1" dirty="0" err="1">
+                <a:highlight>
+                  <a:srgbClr val="FFFF00"/>
+                </a:highlight>
+              </a:rPr>
+              <a:t>Propy</a:t>
+            </a:r>
+            <a:r>
+              <a:rPr lang="en-US" dirty="0">
+                <a:highlight>
+                  <a:srgbClr val="FFFF00"/>
+                </a:highlight>
+              </a:rPr>
+              <a:t> operates on the Ethereum platform </a:t>
+            </a:r>
+            <a:r>
+              <a:rPr lang="en-US" dirty="0"/>
+              <a:t>and is built on the </a:t>
+            </a:r>
+            <a:r>
+              <a:rPr lang="en-US" b="1" dirty="0"/>
+              <a:t>ERC721</a:t>
+            </a:r>
+            <a:r>
+              <a:rPr lang="en-US" dirty="0"/>
+              <a:t> (NFT standard for unique tokens on Ethereum) token standard, allowing it to integrate with users' wallets.</a:t>
+            </a:r>
+          </a:p>
+          <a:p>
+            <a:endParaRPr lang="en-US" b="1" dirty="0"/>
+          </a:p>
+          <a:p>
+            <a:pPr marL="0" indent="0">
+              <a:buNone/>
+            </a:pPr>
+            <a:endParaRPr lang="en-US" b="1" dirty="0"/>
+          </a:p>
+        </p:txBody>
+      </p:sp>
+    </p:spTree>
+    <p:extLst>
+      <p:ext uri="{BB962C8B-B14F-4D97-AF65-F5344CB8AC3E}">
+        <p14:creationId xmlns:p14="http://schemas.microsoft.com/office/powerpoint/2010/main" val="3183997707"/>
+      </p:ext>
+    </p:extLst>
+  </p:cSld>
+  <p:clrMapOvr>
+    <a:masterClrMapping/>
+  </p:clrMapOvr>
+</p:sld>
+</file>
+
+<file path=ppt/slides/slide5.xml><?xml version="1.0" encoding="utf-8"?>
+<p:sld xmlns:a="http://schemas.openxmlformats.org/drawingml/2006/main" xmlns:r="http://schemas.openxmlformats.org/officeDocument/2006/relationships" xmlns:p="http://schemas.openxmlformats.org/presentationml/2006/main">
+  <p:cSld>
+    <p:spTree>
+      <p:nvGrpSpPr>
+        <p:cNvPr id="1" name=""/>
+        <p:cNvGrpSpPr/>
+        <p:nvPr/>
+      </p:nvGrpSpPr>
+      <p:grpSpPr>
+        <a:xfrm>
+          <a:off x="0" y="0"/>
+          <a:ext cx="0" cy="0"/>
+          <a:chOff x="0" y="0"/>
+          <a:chExt cx="0" cy="0"/>
+        </a:xfrm>
+      </p:grpSpPr>
+      <p:sp>
+        <p:nvSpPr>
+          <p:cNvPr id="2" name="Title 1">
+            <a:extLst>
+              <a:ext uri="{FF2B5EF4-FFF2-40B4-BE49-F238E27FC236}">
+                <a16:creationId xmlns:a16="http://schemas.microsoft.com/office/drawing/2014/main" id="{C60DDFC4-D184-01AA-94C0-638AA1A0EABC}"/>
+              </a:ext>
+            </a:extLst>
+          </p:cNvPr>
+          <p:cNvSpPr>
+            <a:spLocks noGrp="1"/>
+          </p:cNvSpPr>
+          <p:nvPr>
+            <p:ph type="title"/>
+          </p:nvPr>
+        </p:nvSpPr>
+        <p:spPr>
+          <a:xfrm>
+            <a:off x="857250" y="517525"/>
+            <a:ext cx="10515600" cy="1325563"/>
+          </a:xfrm>
+        </p:spPr>
         <p:txBody>
           <a:bodyPr/>
           <a:lstStyle/>
@@ -3598,9 +4093,165 @@
               <a:rPr lang="en-US" dirty="0" err="1"/>
               <a:t>Propy</a:t>
             </a:r>
+            <a:endParaRPr lang="en-US" dirty="0"/>
+          </a:p>
+        </p:txBody>
+      </p:sp>
+      <p:sp>
+        <p:nvSpPr>
+          <p:cNvPr id="3" name="Content Placeholder 2">
+            <a:extLst>
+              <a:ext uri="{FF2B5EF4-FFF2-40B4-BE49-F238E27FC236}">
+                <a16:creationId xmlns:a16="http://schemas.microsoft.com/office/drawing/2014/main" id="{CC3A958C-C4D8-0646-677C-C9CE1C3AC854}"/>
+              </a:ext>
+            </a:extLst>
+          </p:cNvPr>
+          <p:cNvSpPr>
+            <a:spLocks noGrp="1"/>
+          </p:cNvSpPr>
+          <p:nvPr>
+            <p:ph idx="1"/>
+          </p:nvPr>
+        </p:nvSpPr>
+        <p:spPr>
+          <a:xfrm>
+            <a:off x="847725" y="1825625"/>
+            <a:ext cx="10515600" cy="4351338"/>
+          </a:xfrm>
+        </p:spPr>
+        <p:txBody>
+          <a:bodyPr/>
+          <a:lstStyle/>
+          <a:p>
+            <a:endParaRPr lang="en-US" dirty="0"/>
+          </a:p>
+          <a:p>
+            <a:r>
+              <a:rPr lang="en-US" sz="3500" dirty="0">
+                <a:highlight>
+                  <a:srgbClr val="FFFF00"/>
+                </a:highlight>
+              </a:rPr>
+              <a:t>The native token of the platform is </a:t>
+            </a:r>
+            <a:r>
+              <a:rPr lang="en-US" sz="3500" b="1" dirty="0">
+                <a:highlight>
+                  <a:srgbClr val="FFFF00"/>
+                </a:highlight>
+              </a:rPr>
+              <a:t>PRO</a:t>
+            </a:r>
+            <a:r>
+              <a:rPr lang="en-US" sz="3500" dirty="0">
+                <a:highlight>
+                  <a:srgbClr val="FFFF00"/>
+                </a:highlight>
+              </a:rPr>
+              <a:t>,</a:t>
+            </a:r>
+            <a:r>
+              <a:rPr lang="en-US" sz="3500" dirty="0"/>
+              <a:t> an ERC20 token </a:t>
+            </a:r>
+          </a:p>
+          <a:p>
+            <a:pPr marL="0" indent="0">
+              <a:buNone/>
+            </a:pPr>
+            <a:endParaRPr lang="en-US" sz="3500" dirty="0"/>
+          </a:p>
+          <a:p>
+            <a:r>
+              <a:rPr lang="en-US" sz="3500" dirty="0"/>
+              <a:t>Used for: </a:t>
+            </a:r>
+            <a:r>
+              <a:rPr lang="en-US" sz="3500" b="1" dirty="0"/>
+              <a:t>creation</a:t>
+            </a:r>
+            <a:r>
+              <a:rPr lang="en-US" sz="3500" dirty="0"/>
+              <a:t> of a new title or </a:t>
+            </a:r>
+            <a:r>
+              <a:rPr lang="en-US" sz="3500" b="1" dirty="0"/>
+              <a:t>transferring</a:t>
+            </a:r>
+            <a:r>
+              <a:rPr lang="en-US" sz="3500" dirty="0"/>
+              <a:t> an existing title.</a:t>
+            </a:r>
+          </a:p>
+        </p:txBody>
+      </p:sp>
+    </p:spTree>
+    <p:extLst>
+      <p:ext uri="{BB962C8B-B14F-4D97-AF65-F5344CB8AC3E}">
+        <p14:creationId xmlns:p14="http://schemas.microsoft.com/office/powerpoint/2010/main" val="2671813442"/>
+      </p:ext>
+    </p:extLst>
+  </p:cSld>
+  <p:clrMapOvr>
+    <a:masterClrMapping/>
+  </p:clrMapOvr>
+</p:sld>
+</file>
+
+<file path=ppt/slides/slide6.xml><?xml version="1.0" encoding="utf-8"?>
+<p:sld xmlns:a="http://schemas.openxmlformats.org/drawingml/2006/main" xmlns:r="http://schemas.openxmlformats.org/officeDocument/2006/relationships" xmlns:p="http://schemas.openxmlformats.org/presentationml/2006/main">
+  <p:cSld>
+    <p:spTree>
+      <p:nvGrpSpPr>
+        <p:cNvPr id="1" name=""/>
+        <p:cNvGrpSpPr/>
+        <p:nvPr/>
+      </p:nvGrpSpPr>
+      <p:grpSpPr>
+        <a:xfrm>
+          <a:off x="0" y="0"/>
+          <a:ext cx="0" cy="0"/>
+          <a:chOff x="0" y="0"/>
+          <a:chExt cx="0" cy="0"/>
+        </a:xfrm>
+      </p:grpSpPr>
+      <p:sp>
+        <p:nvSpPr>
+          <p:cNvPr id="2" name="Title 1">
+            <a:extLst>
+              <a:ext uri="{FF2B5EF4-FFF2-40B4-BE49-F238E27FC236}">
+                <a16:creationId xmlns:a16="http://schemas.microsoft.com/office/drawing/2014/main" id="{94F7BC24-49EC-0D1A-F96F-9A9856E5D738}"/>
+              </a:ext>
+            </a:extLst>
+          </p:cNvPr>
+          <p:cNvSpPr>
+            <a:spLocks noGrp="1"/>
+          </p:cNvSpPr>
+          <p:nvPr>
+            <p:ph type="title"/>
+          </p:nvPr>
+        </p:nvSpPr>
+        <p:spPr>
+          <a:xfrm>
+            <a:off x="838200" y="384175"/>
+            <a:ext cx="10515600" cy="1325563"/>
+          </a:xfrm>
+        </p:spPr>
+        <p:txBody>
+          <a:bodyPr/>
+          <a:lstStyle/>
+          <a:p>
+            <a:r>
+              <a:rPr lang="en-US" b="1" dirty="0" err="1"/>
+              <a:t>Propy</a:t>
+            </a:r>
+            <a:r>
+              <a:rPr lang="en-US" b="1" dirty="0"/>
+              <a:t>:</a:t>
+            </a:r>
             <a:r>
               <a:rPr lang="en-US" dirty="0"/>
-              <a:t>: blockchain based title registry system.	</a:t>
+              <a:t> blockchain-based title registry system.</a:t>
             </a:r>
           </a:p>
         </p:txBody>
@@ -3621,26 +4272,19 @@
             <p:ph idx="1"/>
           </p:nvPr>
         </p:nvSpPr>
-        <p:spPr/>
+        <p:spPr>
+          <a:xfrm>
+            <a:off x="809625" y="1787525"/>
+            <a:ext cx="10515600" cy="4351338"/>
+          </a:xfrm>
+        </p:spPr>
         <p:txBody>
           <a:bodyPr>
-            <a:normAutofit fontScale="77500" lnSpcReduction="20000"/>
+            <a:normAutofit lnSpcReduction="10000"/>
           </a:bodyPr>
           <a:lstStyle/>
           <a:p>
-            <a:r>
-              <a:rPr lang="en-US" dirty="0"/>
-              <a:t>Type of chain and consensus</a:t>
-            </a:r>
-          </a:p>
-          <a:p>
             <a:endParaRPr lang="en-US" dirty="0"/>
-          </a:p>
-          <a:p>
-            <a:r>
-              <a:rPr lang="en-US" dirty="0"/>
-              <a:t>Does it have native cryptocurrency?</a:t>
-            </a:r>
           </a:p>
           <a:p>
             <a:r>
@@ -3654,13 +4298,7 @@
           <a:p>
             <a:r>
               <a:rPr lang="en-US" dirty="0"/>
-              <a:t>Governance</a:t>
-            </a:r>
-          </a:p>
-          <a:p>
-            <a:r>
-              <a:rPr lang="en-US" dirty="0"/>
-              <a:t>Geographical scope</a:t>
+              <a:t>Governance:</a:t>
             </a:r>
           </a:p>
           <a:p>
@@ -3690,8 +4328,13 @@
           <a:p>
             <a:r>
               <a:rPr lang="en-US" dirty="0"/>
-              <a:t>Projects or solutions</a:t>
-            </a:r>
+              <a:t>Projects or </a:t>
+            </a:r>
+            <a:r>
+              <a:rPr lang="en-US" dirty="0" err="1"/>
+              <a:t>solutionss</a:t>
+            </a:r>
+            <a:endParaRPr lang="en-US" dirty="0"/>
           </a:p>
         </p:txBody>
       </p:sp>

--- a/Ruslan_Dubas_Presentation.pptx
+++ b/Ruslan_Dubas_Presentation.pptx
@@ -8,9 +8,10 @@
     <p:sldId id="256" r:id="rId2"/>
     <p:sldId id="260" r:id="rId3"/>
     <p:sldId id="257" r:id="rId4"/>
-    <p:sldId id="259" r:id="rId5"/>
-    <p:sldId id="261" r:id="rId6"/>
-    <p:sldId id="258" r:id="rId7"/>
+    <p:sldId id="262" r:id="rId5"/>
+    <p:sldId id="259" r:id="rId6"/>
+    <p:sldId id="261" r:id="rId7"/>
+    <p:sldId id="258" r:id="rId8"/>
   </p:sldIdLst>
   <p:sldSz cx="12192000" cy="6858000"/>
   <p:notesSz cx="6858000" cy="9144000"/>
@@ -436,7 +437,7 @@
           <a:p>
             <a:fld id="{BDC60914-B87E-48D7-9302-D8DAFE91B8D8}" type="datetimeFigureOut">
               <a:rPr lang="en-US" smtClean="0"/>
-              <a:t>12/6/2022</a:t>
+              <a:t>12/8/2022</a:t>
             </a:fld>
             <a:endParaRPr lang="en-US"/>
           </a:p>
@@ -634,7 +635,7 @@
           <a:p>
             <a:fld id="{BDC60914-B87E-48D7-9302-D8DAFE91B8D8}" type="datetimeFigureOut">
               <a:rPr lang="en-US" smtClean="0"/>
-              <a:t>12/6/2022</a:t>
+              <a:t>12/8/2022</a:t>
             </a:fld>
             <a:endParaRPr lang="en-US"/>
           </a:p>
@@ -842,7 +843,7 @@
           <a:p>
             <a:fld id="{BDC60914-B87E-48D7-9302-D8DAFE91B8D8}" type="datetimeFigureOut">
               <a:rPr lang="en-US" smtClean="0"/>
-              <a:t>12/6/2022</a:t>
+              <a:t>12/8/2022</a:t>
             </a:fld>
             <a:endParaRPr lang="en-US"/>
           </a:p>
@@ -1040,7 +1041,7 @@
           <a:p>
             <a:fld id="{BDC60914-B87E-48D7-9302-D8DAFE91B8D8}" type="datetimeFigureOut">
               <a:rPr lang="en-US" smtClean="0"/>
-              <a:t>12/6/2022</a:t>
+              <a:t>12/8/2022</a:t>
             </a:fld>
             <a:endParaRPr lang="en-US"/>
           </a:p>
@@ -1315,7 +1316,7 @@
           <a:p>
             <a:fld id="{BDC60914-B87E-48D7-9302-D8DAFE91B8D8}" type="datetimeFigureOut">
               <a:rPr lang="en-US" smtClean="0"/>
-              <a:t>12/6/2022</a:t>
+              <a:t>12/8/2022</a:t>
             </a:fld>
             <a:endParaRPr lang="en-US"/>
           </a:p>
@@ -1580,7 +1581,7 @@
           <a:p>
             <a:fld id="{BDC60914-B87E-48D7-9302-D8DAFE91B8D8}" type="datetimeFigureOut">
               <a:rPr lang="en-US" smtClean="0"/>
-              <a:t>12/6/2022</a:t>
+              <a:t>12/8/2022</a:t>
             </a:fld>
             <a:endParaRPr lang="en-US"/>
           </a:p>
@@ -1992,7 +1993,7 @@
           <a:p>
             <a:fld id="{BDC60914-B87E-48D7-9302-D8DAFE91B8D8}" type="datetimeFigureOut">
               <a:rPr lang="en-US" smtClean="0"/>
-              <a:t>12/6/2022</a:t>
+              <a:t>12/8/2022</a:t>
             </a:fld>
             <a:endParaRPr lang="en-US"/>
           </a:p>
@@ -2133,7 +2134,7 @@
           <a:p>
             <a:fld id="{BDC60914-B87E-48D7-9302-D8DAFE91B8D8}" type="datetimeFigureOut">
               <a:rPr lang="en-US" smtClean="0"/>
-              <a:t>12/6/2022</a:t>
+              <a:t>12/8/2022</a:t>
             </a:fld>
             <a:endParaRPr lang="en-US"/>
           </a:p>
@@ -2246,7 +2247,7 @@
           <a:p>
             <a:fld id="{BDC60914-B87E-48D7-9302-D8DAFE91B8D8}" type="datetimeFigureOut">
               <a:rPr lang="en-US" smtClean="0"/>
-              <a:t>12/6/2022</a:t>
+              <a:t>12/8/2022</a:t>
             </a:fld>
             <a:endParaRPr lang="en-US"/>
           </a:p>
@@ -2557,7 +2558,7 @@
           <a:p>
             <a:fld id="{BDC60914-B87E-48D7-9302-D8DAFE91B8D8}" type="datetimeFigureOut">
               <a:rPr lang="en-US" smtClean="0"/>
-              <a:t>12/6/2022</a:t>
+              <a:t>12/8/2022</a:t>
             </a:fld>
             <a:endParaRPr lang="en-US"/>
           </a:p>
@@ -2845,7 +2846,7 @@
           <a:p>
             <a:fld id="{BDC60914-B87E-48D7-9302-D8DAFE91B8D8}" type="datetimeFigureOut">
               <a:rPr lang="en-US" smtClean="0"/>
-              <a:t>12/6/2022</a:t>
+              <a:t>12/8/2022</a:t>
             </a:fld>
             <a:endParaRPr lang="en-US"/>
           </a:p>
@@ -3086,7 +3087,7 @@
           <a:p>
             <a:fld id="{BDC60914-B87E-48D7-9302-D8DAFE91B8D8}" type="datetimeFigureOut">
               <a:rPr lang="en-US" smtClean="0"/>
-              <a:t>12/6/2022</a:t>
+              <a:t>12/8/2022</a:t>
             </a:fld>
             <a:endParaRPr lang="en-US"/>
           </a:p>
@@ -3489,6 +3490,14 @@
 <file path=ppt/slides/slide1.xml><?xml version="1.0" encoding="utf-8"?>
 <p:sld xmlns:a="http://schemas.openxmlformats.org/drawingml/2006/main" xmlns:r="http://schemas.openxmlformats.org/officeDocument/2006/relationships" xmlns:p="http://schemas.openxmlformats.org/presentationml/2006/main">
   <p:cSld>
+    <p:bg>
+      <p:bgPr>
+        <a:solidFill>
+          <a:schemeClr val="bg1"/>
+        </a:solidFill>
+        <a:effectLst/>
+      </p:bgPr>
+    </p:bg>
     <p:spTree>
       <p:nvGrpSpPr>
         <p:cNvPr id="1" name=""/>
@@ -3519,22 +3528,29 @@
             <p:ph type="ctrTitle"/>
           </p:nvPr>
         </p:nvSpPr>
-        <p:spPr/>
+        <p:spPr>
+          <a:xfrm>
+            <a:off x="6654799" y="640081"/>
+            <a:ext cx="4897119" cy="3538217"/>
+          </a:xfrm>
+          <a:noFill/>
+        </p:spPr>
         <p:txBody>
           <a:bodyPr>
             <a:normAutofit/>
           </a:bodyPr>
           <a:lstStyle/>
           <a:p>
-            <a:r>
-              <a:rPr lang="en-US" sz="3500" dirty="0"/>
+            <a:pPr algn="l"/>
+            <a:r>
+              <a:rPr lang="en-US" sz="4200"/>
               <a:t>ISM 6930.370F22.94821</a:t>
             </a:r>
             <a:br>
-              <a:rPr lang="en-US" sz="3500" dirty="0"/>
+              <a:rPr lang="en-US" sz="4200"/>
             </a:br>
             <a:r>
-              <a:rPr lang="en-US" sz="3500" dirty="0"/>
+              <a:rPr lang="en-US" sz="4200"/>
               <a:t>Block Chain Fundamentals</a:t>
             </a:r>
           </a:p>
@@ -3558,16 +3574,20 @@
         </p:nvSpPr>
         <p:spPr>
           <a:xfrm>
-            <a:off x="1543050" y="3611563"/>
-            <a:ext cx="9144000" cy="1655762"/>
+            <a:off x="6654799" y="4660903"/>
+            <a:ext cx="4897120" cy="1557017"/>
           </a:xfrm>
+          <a:noFill/>
         </p:spPr>
         <p:txBody>
-          <a:bodyPr/>
+          <a:bodyPr>
+            <a:normAutofit/>
+          </a:bodyPr>
           <a:lstStyle/>
           <a:p>
-            <a:r>
-              <a:rPr lang="en-US" dirty="0">
+            <a:pPr algn="l"/>
+            <a:r>
+              <a:rPr lang="en-US" sz="2200">
                 <a:highlight>
                   <a:srgbClr val="FFFF00"/>
                 </a:highlight>
@@ -3576,42 +3596,321 @@
             </a:r>
           </a:p>
           <a:p>
-            <a:r>
-              <a:rPr lang="en-US" b="1" dirty="0" err="1"/>
+            <a:pPr algn="l"/>
+            <a:r>
+              <a:rPr lang="en-US" sz="2200" b="1" err="1"/>
               <a:t>Propy</a:t>
             </a:r>
             <a:r>
-              <a:rPr lang="en-US" b="1" dirty="0"/>
+              <a:rPr lang="en-US" sz="2200" b="1"/>
               <a:t>:</a:t>
             </a:r>
             <a:r>
-              <a:rPr lang="en-US" dirty="0"/>
-              <a:t> </a:t>
-            </a:r>
-            <a:r>
-              <a:rPr lang="en-US" sz="2000" dirty="0"/>
-              <a:t>Real Estate platform that uses </a:t>
-            </a:r>
-            <a:r>
-              <a:rPr lang="en-US" sz="2000" dirty="0" err="1"/>
+              <a:rPr lang="en-US" sz="2200"/>
+              <a:t> Real Estate platform that uses </a:t>
+            </a:r>
+            <a:r>
+              <a:rPr lang="en-US" sz="2200" err="1"/>
               <a:t>blcockchain</a:t>
             </a:r>
             <a:r>
-              <a:rPr lang="en-US" sz="2000" dirty="0"/>
+              <a:rPr lang="en-US" sz="2200"/>
               <a:t>-based title registry system</a:t>
             </a:r>
           </a:p>
           <a:p>
-            <a:r>
-              <a:rPr lang="en-US" sz="2000" dirty="0">
+            <a:pPr algn="l"/>
+            <a:r>
+              <a:rPr lang="en-US" sz="2200">
                 <a:hlinkClick r:id="rId2"/>
               </a:rPr>
               <a:t>https://propy.com/browse/</a:t>
             </a:r>
-            <a:endParaRPr lang="en-US" sz="2000" dirty="0"/>
-          </a:p>
-        </p:txBody>
-      </p:sp>
+            <a:endParaRPr lang="en-US" sz="2200"/>
+          </a:p>
+        </p:txBody>
+      </p:sp>
+      <p:sp>
+        <p:nvSpPr>
+          <p:cNvPr id="10" name="Rectangle 9">
+            <a:extLst>
+              <a:ext uri="{FF2B5EF4-FFF2-40B4-BE49-F238E27FC236}">
+                <a16:creationId xmlns:a16="http://schemas.microsoft.com/office/drawing/2014/main" id="{8AD13924-DC7C-4339-B194-8A4EFFBF2AC6}"/>
+              </a:ext>
+              <a:ext uri="{C183D7F6-B498-43B3-948B-1728B52AA6E4}">
+                <adec:decorative xmlns:adec="http://schemas.microsoft.com/office/drawing/2017/decorative" val="1"/>
+              </a:ext>
+            </a:extLst>
+          </p:cNvPr>
+          <p:cNvSpPr>
+            <a:spLocks noGrp="1" noRot="1" noChangeAspect="1" noMove="1" noResize="1" noEditPoints="1" noAdjustHandles="1" noChangeArrowheads="1" noChangeShapeType="1" noTextEdit="1"/>
+          </p:cNvSpPr>
+          <p:nvPr>
+            <p:extLst>
+              <p:ext uri="{386F3935-93C4-4BCD-93E2-E3B085C9AB24}">
+                <p16:designElem xmlns:p16="http://schemas.microsoft.com/office/powerpoint/2015/main" val="1"/>
+              </p:ext>
+            </p:extLst>
+          </p:nvPr>
+        </p:nvSpPr>
+        <p:spPr>
+          <a:xfrm>
+            <a:off x="-2" y="0"/>
+            <a:ext cx="6107584" cy="6858000"/>
+          </a:xfrm>
+          <a:prstGeom prst="rect">
+            <a:avLst/>
+          </a:prstGeom>
+          <a:solidFill>
+            <a:srgbClr val="30575C"/>
+          </a:solidFill>
+          <a:ln>
+            <a:noFill/>
+          </a:ln>
+        </p:spPr>
+        <p:style>
+          <a:lnRef idx="2">
+            <a:schemeClr val="accent1">
+              <a:shade val="50000"/>
+            </a:schemeClr>
+          </a:lnRef>
+          <a:fillRef idx="1">
+            <a:schemeClr val="accent1"/>
+          </a:fillRef>
+          <a:effectRef idx="0">
+            <a:schemeClr val="accent1"/>
+          </a:effectRef>
+          <a:fontRef idx="minor">
+            <a:schemeClr val="lt1"/>
+          </a:fontRef>
+        </p:style>
+        <p:txBody>
+          <a:bodyPr rtlCol="0" anchor="ctr"/>
+          <a:lstStyle/>
+          <a:p>
+            <a:pPr marL="0" marR="0" lvl="0" indent="0" algn="ctr" defTabSz="914400" rtl="0" eaLnBrk="1" fontAlgn="auto" latinLnBrk="0" hangingPunct="1">
+              <a:lnSpc>
+                <a:spcPct val="100000"/>
+              </a:lnSpc>
+              <a:spcBef>
+                <a:spcPts val="0"/>
+              </a:spcBef>
+              <a:spcAft>
+                <a:spcPts val="0"/>
+              </a:spcAft>
+              <a:buClrTx/>
+              <a:buSzTx/>
+              <a:buFontTx/>
+              <a:buNone/>
+              <a:tabLst/>
+              <a:defRPr/>
+            </a:pPr>
+            <a:endParaRPr kumimoji="0" lang="en-US" sz="1800" b="0" i="0" u="none" strike="noStrike" kern="1200" cap="none" spc="0" normalizeH="0" baseline="0" noProof="0">
+              <a:ln>
+                <a:noFill/>
+              </a:ln>
+              <a:solidFill>
+                <a:prstClr val="white"/>
+              </a:solidFill>
+              <a:effectLst/>
+              <a:uLnTx/>
+              <a:uFillTx/>
+              <a:latin typeface="Calibri" panose="020F0502020204030204"/>
+              <a:ea typeface="+mn-ea"/>
+              <a:cs typeface="+mn-cs"/>
+            </a:endParaRPr>
+          </a:p>
+        </p:txBody>
+      </p:sp>
+      <p:sp>
+        <p:nvSpPr>
+          <p:cNvPr id="12" name="Rounded Rectangle 26">
+            <a:extLst>
+              <a:ext uri="{FF2B5EF4-FFF2-40B4-BE49-F238E27FC236}">
+                <a16:creationId xmlns:a16="http://schemas.microsoft.com/office/drawing/2014/main" id="{72458505-C9BA-445F-AE75-CFC7FF04F4E7}"/>
+              </a:ext>
+              <a:ext uri="{C183D7F6-B498-43B3-948B-1728B52AA6E4}">
+                <adec:decorative xmlns:adec="http://schemas.microsoft.com/office/drawing/2017/decorative" val="1"/>
+              </a:ext>
+            </a:extLst>
+          </p:cNvPr>
+          <p:cNvSpPr>
+            <a:spLocks noGrp="1" noRot="1" noChangeAspect="1" noMove="1" noResize="1" noEditPoints="1" noAdjustHandles="1" noChangeArrowheads="1" noChangeShapeType="1" noTextEdit="1"/>
+          </p:cNvSpPr>
+          <p:nvPr>
+            <p:extLst>
+              <p:ext uri="{386F3935-93C4-4BCD-93E2-E3B085C9AB24}">
+                <p16:designElem xmlns:p16="http://schemas.microsoft.com/office/powerpoint/2015/main" val="1"/>
+              </p:ext>
+            </p:extLst>
+          </p:nvPr>
+        </p:nvSpPr>
+        <p:spPr>
+          <a:xfrm>
+            <a:off x="646745" y="640080"/>
+            <a:ext cx="4809175" cy="5577818"/>
+          </a:xfrm>
+          <a:prstGeom prst="roundRect">
+            <a:avLst>
+              <a:gd name="adj" fmla="val 0"/>
+            </a:avLst>
+          </a:prstGeom>
+          <a:solidFill>
+            <a:srgbClr val="FFFFFF"/>
+          </a:solidFill>
+          <a:ln w="9525">
+            <a:solidFill>
+              <a:srgbClr val="C8CACA"/>
+            </a:solidFill>
+          </a:ln>
+          <a:effectLst>
+            <a:outerShdw blurRad="57150" dist="19050" dir="5400000" algn="t" rotWithShape="0">
+              <a:prstClr val="black">
+                <a:alpha val="63000"/>
+              </a:prstClr>
+            </a:outerShdw>
+          </a:effectLst>
+        </p:spPr>
+        <p:style>
+          <a:lnRef idx="2">
+            <a:schemeClr val="accent1">
+              <a:shade val="50000"/>
+            </a:schemeClr>
+          </a:lnRef>
+          <a:fillRef idx="1">
+            <a:schemeClr val="accent1"/>
+          </a:fillRef>
+          <a:effectRef idx="0">
+            <a:schemeClr val="accent1"/>
+          </a:effectRef>
+          <a:fontRef idx="minor">
+            <a:schemeClr val="lt1"/>
+          </a:fontRef>
+        </p:style>
+        <p:txBody>
+          <a:bodyPr rtlCol="0" anchor="ctr"/>
+          <a:lstStyle/>
+          <a:p>
+            <a:pPr marL="0" marR="0" lvl="0" indent="0" algn="ctr" defTabSz="914400" rtl="0" eaLnBrk="1" fontAlgn="auto" latinLnBrk="0" hangingPunct="1">
+              <a:lnSpc>
+                <a:spcPct val="100000"/>
+              </a:lnSpc>
+              <a:spcBef>
+                <a:spcPts val="0"/>
+              </a:spcBef>
+              <a:spcAft>
+                <a:spcPts val="0"/>
+              </a:spcAft>
+              <a:buClrTx/>
+              <a:buSzTx/>
+              <a:buFontTx/>
+              <a:buNone/>
+              <a:tabLst/>
+              <a:defRPr/>
+            </a:pPr>
+            <a:endParaRPr kumimoji="0" lang="en-US" sz="1800" b="0" i="0" u="none" strike="noStrike" kern="1200" cap="none" spc="0" normalizeH="0" baseline="0" noProof="0">
+              <a:ln>
+                <a:noFill/>
+              </a:ln>
+              <a:solidFill>
+                <a:prstClr val="white"/>
+              </a:solidFill>
+              <a:effectLst/>
+              <a:uLnTx/>
+              <a:uFillTx/>
+              <a:latin typeface="Calibri" panose="020F0502020204030204"/>
+              <a:ea typeface="+mn-ea"/>
+              <a:cs typeface="+mn-cs"/>
+            </a:endParaRPr>
+          </a:p>
+        </p:txBody>
+      </p:sp>
+      <p:pic>
+        <p:nvPicPr>
+          <p:cNvPr id="5" name="Picture 4">
+            <a:extLst>
+              <a:ext uri="{FF2B5EF4-FFF2-40B4-BE49-F238E27FC236}">
+                <a16:creationId xmlns:a16="http://schemas.microsoft.com/office/drawing/2014/main" id="{2375144D-082C-7CFD-0519-9DC893FE197D}"/>
+              </a:ext>
+            </a:extLst>
+          </p:cNvPr>
+          <p:cNvPicPr>
+            <a:picLocks noChangeAspect="1"/>
+          </p:cNvPicPr>
+          <p:nvPr/>
+        </p:nvPicPr>
+        <p:blipFill>
+          <a:blip r:embed="rId3"/>
+          <a:stretch>
+            <a:fillRect/>
+          </a:stretch>
+        </p:blipFill>
+        <p:spPr>
+          <a:xfrm>
+            <a:off x="966500" y="2688874"/>
+            <a:ext cx="4169664" cy="1480230"/>
+          </a:xfrm>
+          <a:prstGeom prst="rect">
+            <a:avLst/>
+          </a:prstGeom>
+          <a:effectLst/>
+        </p:spPr>
+      </p:pic>
+      <p:cxnSp>
+        <p:nvCxnSpPr>
+          <p:cNvPr id="14" name="Straight Connector 13">
+            <a:extLst>
+              <a:ext uri="{FF2B5EF4-FFF2-40B4-BE49-F238E27FC236}">
+                <a16:creationId xmlns:a16="http://schemas.microsoft.com/office/drawing/2014/main" id="{492C71F2-7657-4A22-BE4C-647EEDE915B2}"/>
+              </a:ext>
+              <a:ext uri="{C183D7F6-B498-43B3-948B-1728B52AA6E4}">
+                <adec:decorative xmlns:adec="http://schemas.microsoft.com/office/drawing/2017/decorative" val="1"/>
+              </a:ext>
+            </a:extLst>
+          </p:cNvPr>
+          <p:cNvCxnSpPr>
+            <a:cxnSpLocks noGrp="1" noRot="1" noChangeAspect="1" noMove="1" noResize="1" noEditPoints="1" noAdjustHandles="1" noChangeArrowheads="1" noChangeShapeType="1"/>
+          </p:cNvCxnSpPr>
+          <p:nvPr>
+            <p:extLst>
+              <p:ext uri="{386F3935-93C4-4BCD-93E2-E3B085C9AB24}">
+                <p16:designElem xmlns:p16="http://schemas.microsoft.com/office/powerpoint/2015/main" val="1"/>
+              </p:ext>
+            </p:extLst>
+          </p:nvPr>
+        </p:nvCxnSpPr>
+        <p:spPr>
+          <a:xfrm>
+            <a:off x="6756400" y="4428744"/>
+            <a:ext cx="2743200" cy="0"/>
+          </a:xfrm>
+          <a:prstGeom prst="line">
+            <a:avLst/>
+          </a:prstGeom>
+          <a:ln w="19050">
+            <a:solidFill>
+              <a:schemeClr val="tx1">
+                <a:lumMod val="50000"/>
+                <a:lumOff val="50000"/>
+              </a:schemeClr>
+            </a:solidFill>
+          </a:ln>
+        </p:spPr>
+        <p:style>
+          <a:lnRef idx="1">
+            <a:schemeClr val="accent1"/>
+          </a:lnRef>
+          <a:fillRef idx="0">
+            <a:schemeClr val="accent1"/>
+          </a:fillRef>
+          <a:effectRef idx="0">
+            <a:schemeClr val="accent1"/>
+          </a:effectRef>
+          <a:fontRef idx="minor">
+            <a:schemeClr val="tx1"/>
+          </a:fontRef>
+        </p:style>
+      </p:cxnSp>
     </p:spTree>
     <p:extLst>
       <p:ext uri="{BB962C8B-B14F-4D97-AF65-F5344CB8AC3E}">
@@ -3628,6 +3927,14 @@
 <file path=ppt/slides/slide2.xml><?xml version="1.0" encoding="utf-8"?>
 <p:sld xmlns:a="http://schemas.openxmlformats.org/drawingml/2006/main" xmlns:r="http://schemas.openxmlformats.org/officeDocument/2006/relationships" xmlns:p="http://schemas.openxmlformats.org/presentationml/2006/main">
   <p:cSld>
+    <p:bg>
+      <p:bgPr>
+        <a:solidFill>
+          <a:schemeClr val="bg1"/>
+        </a:solidFill>
+        <a:effectLst/>
+      </p:bgPr>
+    </p:bg>
     <p:spTree>
       <p:nvGrpSpPr>
         <p:cNvPr id="1" name=""/>
@@ -3660,12 +3967,14 @@
         </p:nvSpPr>
         <p:spPr>
           <a:xfrm>
-            <a:off x="828675" y="365125"/>
-            <a:ext cx="10515600" cy="1325563"/>
+            <a:off x="4965430" y="629268"/>
+            <a:ext cx="6586491" cy="1286160"/>
           </a:xfrm>
         </p:spPr>
         <p:txBody>
-          <a:bodyPr/>
+          <a:bodyPr anchor="b">
+            <a:normAutofit/>
+          </a:bodyPr>
           <a:lstStyle/>
           <a:p>
             <a:r>
@@ -3694,50 +4003,48 @@
         </p:nvSpPr>
         <p:spPr>
           <a:xfrm>
-            <a:off x="796926" y="1724027"/>
-            <a:ext cx="10515600" cy="4351338"/>
+            <a:off x="4965431" y="2438400"/>
+            <a:ext cx="6586489" cy="3785419"/>
           </a:xfrm>
         </p:spPr>
         <p:txBody>
-          <a:bodyPr/>
+          <a:bodyPr>
+            <a:normAutofit/>
+          </a:bodyPr>
           <a:lstStyle/>
           <a:p>
             <a:r>
-              <a:rPr lang="en-US" b="1" dirty="0" err="1"/>
-              <a:t>Propy</a:t>
-            </a:r>
-            <a:r>
-              <a:rPr lang="en-US" b="1" dirty="0"/>
-              <a:t> </a:t>
-            </a:r>
-            <a:r>
-              <a:rPr lang="en-US" dirty="0"/>
+              <a:rPr lang="en-US" sz="2000" b="1"/>
+              <a:t>Propy </a:t>
+            </a:r>
+            <a:r>
+              <a:rPr lang="en-US" sz="2000"/>
               <a:t>is a real estate transaction platform that empowers buyers, sellers, their agents, and escrow agents to close a traditional real estate deal entirely online</a:t>
             </a:r>
           </a:p>
           <a:p>
-            <a:endParaRPr lang="en-US" dirty="0"/>
-          </a:p>
-          <a:p>
-            <a:r>
-              <a:rPr lang="en-US" dirty="0"/>
+            <a:endParaRPr lang="en-US" sz="2000"/>
+          </a:p>
+          <a:p>
+            <a:r>
+              <a:rPr lang="en-US" sz="2000"/>
               <a:t>Platform provides access to the legal documents signifying ownership</a:t>
             </a:r>
           </a:p>
           <a:p>
-            <a:endParaRPr lang="en-US" dirty="0"/>
-          </a:p>
-          <a:p>
-            <a:r>
-              <a:rPr lang="en-US" b="1" dirty="0"/>
+            <a:endParaRPr lang="en-US" sz="2000"/>
+          </a:p>
+          <a:p>
+            <a:r>
+              <a:rPr lang="en-US" sz="2000" b="1"/>
               <a:t>The Promise:</a:t>
             </a:r>
             <a:r>
-              <a:rPr lang="en-US" dirty="0"/>
+              <a:rPr lang="en-US" sz="2000"/>
               <a:t> Reduced cost to the buyers and </a:t>
             </a:r>
             <a:r>
-              <a:rPr lang="en-US" dirty="0">
+              <a:rPr lang="en-US" sz="2000">
                 <a:highlight>
                   <a:srgbClr val="FFFF00"/>
                 </a:highlight>
@@ -3745,21 +4052,103 @@
               <a:t>ability to buy a real estate property in a few minutes</a:t>
             </a:r>
             <a:r>
-              <a:rPr lang="en-US" dirty="0"/>
+              <a:rPr lang="en-US" sz="2000"/>
               <a:t> </a:t>
             </a:r>
           </a:p>
           <a:p>
-            <a:endParaRPr lang="en-US" dirty="0"/>
+            <a:endParaRPr lang="en-US" sz="2000"/>
           </a:p>
           <a:p>
             <a:pPr marL="0" indent="0">
               <a:buNone/>
             </a:pPr>
-            <a:endParaRPr lang="en-US" dirty="0"/>
-          </a:p>
-        </p:txBody>
-      </p:sp>
+            <a:endParaRPr lang="en-US" sz="2000"/>
+          </a:p>
+        </p:txBody>
+      </p:sp>
+      <p:pic>
+        <p:nvPicPr>
+          <p:cNvPr id="5" name="Picture 4" descr="Graph on document with pen">
+            <a:extLst>
+              <a:ext uri="{FF2B5EF4-FFF2-40B4-BE49-F238E27FC236}">
+                <a16:creationId xmlns:a16="http://schemas.microsoft.com/office/drawing/2014/main" id="{89BC20E7-7855-26B3-C301-1A1D706442C7}"/>
+              </a:ext>
+            </a:extLst>
+          </p:cNvPr>
+          <p:cNvPicPr>
+            <a:picLocks noChangeAspect="1"/>
+          </p:cNvPicPr>
+          <p:nvPr/>
+        </p:nvPicPr>
+        <p:blipFill rotWithShape="1">
+          <a:blip r:embed="rId2"/>
+          <a:srcRect l="34302" r="20579" b="-1"/>
+          <a:stretch/>
+        </p:blipFill>
+        <p:spPr>
+          <a:xfrm>
+            <a:off x="20" y="10"/>
+            <a:ext cx="4635571" cy="6857990"/>
+          </a:xfrm>
+          <a:prstGeom prst="rect">
+            <a:avLst/>
+          </a:prstGeom>
+          <a:effectLst/>
+        </p:spPr>
+      </p:pic>
+      <p:cxnSp>
+        <p:nvCxnSpPr>
+          <p:cNvPr id="9" name="Straight Connector 8">
+            <a:extLst>
+              <a:ext uri="{FF2B5EF4-FFF2-40B4-BE49-F238E27FC236}">
+                <a16:creationId xmlns:a16="http://schemas.microsoft.com/office/drawing/2014/main" id="{A7F400EE-A8A5-48AF-B4D6-291B52C6F0B0}"/>
+              </a:ext>
+              <a:ext uri="{C183D7F6-B498-43B3-948B-1728B52AA6E4}">
+                <adec:decorative xmlns:adec="http://schemas.microsoft.com/office/drawing/2017/decorative" val="1"/>
+              </a:ext>
+            </a:extLst>
+          </p:cNvPr>
+          <p:cNvCxnSpPr>
+            <a:cxnSpLocks noGrp="1" noRot="1" noChangeAspect="1" noMove="1" noResize="1" noEditPoints="1" noAdjustHandles="1" noChangeArrowheads="1" noChangeShapeType="1"/>
+          </p:cNvCxnSpPr>
+          <p:nvPr>
+            <p:extLst>
+              <p:ext uri="{386F3935-93C4-4BCD-93E2-E3B085C9AB24}">
+                <p16:designElem xmlns:p16="http://schemas.microsoft.com/office/powerpoint/2015/main" val="1"/>
+              </p:ext>
+            </p:extLst>
+          </p:nvPr>
+        </p:nvCxnSpPr>
+        <p:spPr>
+          <a:xfrm>
+            <a:off x="5080934" y="2115117"/>
+            <a:ext cx="6309360" cy="0"/>
+          </a:xfrm>
+          <a:prstGeom prst="line">
+            <a:avLst/>
+          </a:prstGeom>
+          <a:ln w="19050">
+            <a:solidFill>
+              <a:srgbClr val="4C81B4"/>
+            </a:solidFill>
+          </a:ln>
+        </p:spPr>
+        <p:style>
+          <a:lnRef idx="1">
+            <a:schemeClr val="accent1"/>
+          </a:lnRef>
+          <a:fillRef idx="0">
+            <a:schemeClr val="accent1"/>
+          </a:fillRef>
+          <a:effectRef idx="0">
+            <a:schemeClr val="accent1"/>
+          </a:effectRef>
+          <a:fontRef idx="minor">
+            <a:schemeClr val="tx1"/>
+          </a:fontRef>
+        </p:style>
+      </p:cxnSp>
     </p:spTree>
     <p:extLst>
       <p:ext uri="{BB962C8B-B14F-4D97-AF65-F5344CB8AC3E}">
@@ -3776,6 +4165,14 @@
 <file path=ppt/slides/slide3.xml><?xml version="1.0" encoding="utf-8"?>
 <p:sld xmlns:a="http://schemas.openxmlformats.org/drawingml/2006/main" xmlns:r="http://schemas.openxmlformats.org/officeDocument/2006/relationships" xmlns:p="http://schemas.openxmlformats.org/presentationml/2006/main">
   <p:cSld>
+    <p:bg>
+      <p:bgPr>
+        <a:solidFill>
+          <a:schemeClr val="bg1"/>
+        </a:solidFill>
+        <a:effectLst/>
+      </p:bgPr>
+    </p:bg>
     <p:spTree>
       <p:nvGrpSpPr>
         <p:cNvPr id="1" name=""/>
@@ -3790,90 +4187,791 @@
           <a:chExt cx="0" cy="0"/>
         </a:xfrm>
       </p:grpSpPr>
-      <p:sp>
-        <p:nvSpPr>
-          <p:cNvPr id="2" name="Title 1">
-            <a:extLst>
-              <a:ext uri="{FF2B5EF4-FFF2-40B4-BE49-F238E27FC236}">
-                <a16:creationId xmlns:a16="http://schemas.microsoft.com/office/drawing/2014/main" id="{10D18226-B4CD-5E33-C732-F8BBA7D1E8F2}"/>
-              </a:ext>
-            </a:extLst>
-          </p:cNvPr>
-          <p:cNvSpPr>
-            <a:spLocks noGrp="1"/>
-          </p:cNvSpPr>
-          <p:nvPr>
-            <p:ph type="title"/>
+      <p:sp useBgFill="1">
+        <p:nvSpPr>
+          <p:cNvPr id="8" name="Rectangle 7">
+            <a:extLst>
+              <a:ext uri="{FF2B5EF4-FFF2-40B4-BE49-F238E27FC236}">
+                <a16:creationId xmlns:a16="http://schemas.microsoft.com/office/drawing/2014/main" id="{100EDD19-6802-4EC3-95CE-CFFAB042CFD6}"/>
+              </a:ext>
+              <a:ext uri="{C183D7F6-B498-43B3-948B-1728B52AA6E4}">
+                <adec:decorative xmlns:adec="http://schemas.microsoft.com/office/drawing/2017/decorative" val="1"/>
+              </a:ext>
+            </a:extLst>
+          </p:cNvPr>
+          <p:cNvSpPr>
+            <a:spLocks noGrp="1" noRot="1" noChangeAspect="1" noMove="1" noResize="1" noEditPoints="1" noAdjustHandles="1" noChangeArrowheads="1" noChangeShapeType="1" noTextEdit="1"/>
+          </p:cNvSpPr>
+          <p:nvPr>
+            <p:extLst>
+              <p:ext uri="{386F3935-93C4-4BCD-93E2-E3B085C9AB24}">
+                <p16:designElem xmlns:p16="http://schemas.microsoft.com/office/powerpoint/2015/main" val="1"/>
+              </p:ext>
+            </p:extLst>
           </p:nvPr>
         </p:nvSpPr>
         <p:spPr>
           <a:xfrm>
-            <a:off x="857250" y="391583"/>
+            <a:off x="0" y="0"/>
+            <a:ext cx="12188952" cy="6858000"/>
+          </a:xfrm>
+          <a:prstGeom prst="rect">
+            <a:avLst/>
+          </a:prstGeom>
+          <a:ln>
+            <a:noFill/>
+          </a:ln>
+        </p:spPr>
+        <p:style>
+          <a:lnRef idx="2">
+            <a:schemeClr val="accent1">
+              <a:shade val="50000"/>
+            </a:schemeClr>
+          </a:lnRef>
+          <a:fillRef idx="1">
+            <a:schemeClr val="accent1"/>
+          </a:fillRef>
+          <a:effectRef idx="0">
+            <a:schemeClr val="accent1"/>
+          </a:effectRef>
+          <a:fontRef idx="minor">
+            <a:schemeClr val="lt1"/>
+          </a:fontRef>
+        </p:style>
+        <p:txBody>
+          <a:bodyPr rtlCol="0" anchor="ctr"/>
+          <a:lstStyle/>
+          <a:p>
+            <a:pPr algn="ctr"/>
+            <a:endParaRPr lang="en-US"/>
+          </a:p>
+        </p:txBody>
+      </p:sp>
+      <p:sp>
+        <p:nvSpPr>
+          <p:cNvPr id="2" name="Title 1">
+            <a:extLst>
+              <a:ext uri="{FF2B5EF4-FFF2-40B4-BE49-F238E27FC236}">
+                <a16:creationId xmlns:a16="http://schemas.microsoft.com/office/drawing/2014/main" id="{10D18226-B4CD-5E33-C732-F8BBA7D1E8F2}"/>
+              </a:ext>
+            </a:extLst>
+          </p:cNvPr>
+          <p:cNvSpPr>
+            <a:spLocks noGrp="1"/>
+          </p:cNvSpPr>
+          <p:nvPr>
+            <p:ph type="title"/>
+          </p:nvPr>
+        </p:nvSpPr>
+        <p:spPr>
+          <a:xfrm>
+            <a:off x="838200" y="365125"/>
             <a:ext cx="10515600" cy="1325563"/>
           </a:xfrm>
         </p:spPr>
         <p:txBody>
-          <a:bodyPr/>
+          <a:bodyPr>
+            <a:normAutofit/>
+          </a:bodyPr>
           <a:lstStyle/>
           <a:p>
             <a:r>
-              <a:rPr lang="en-US" b="1" dirty="0" err="1"/>
+              <a:rPr lang="en-US" sz="5400" b="1"/>
               <a:t>Propy</a:t>
             </a:r>
-            <a:endParaRPr lang="en-US" sz="2500" b="1" dirty="0"/>
-          </a:p>
-        </p:txBody>
-      </p:sp>
-      <p:sp>
-        <p:nvSpPr>
-          <p:cNvPr id="3" name="Content Placeholder 2">
-            <a:extLst>
-              <a:ext uri="{FF2B5EF4-FFF2-40B4-BE49-F238E27FC236}">
-                <a16:creationId xmlns:a16="http://schemas.microsoft.com/office/drawing/2014/main" id="{042F7254-8791-5024-321D-70D3C9A5A029}"/>
-              </a:ext>
-            </a:extLst>
-          </p:cNvPr>
-          <p:cNvSpPr>
-            <a:spLocks noGrp="1"/>
-          </p:cNvSpPr>
-          <p:nvPr>
-            <p:ph idx="1"/>
+          </a:p>
+        </p:txBody>
+      </p:sp>
+      <p:sp>
+        <p:nvSpPr>
+          <p:cNvPr id="10" name="sketch line">
+            <a:extLst>
+              <a:ext uri="{FF2B5EF4-FFF2-40B4-BE49-F238E27FC236}">
+                <a16:creationId xmlns:a16="http://schemas.microsoft.com/office/drawing/2014/main" id="{DB17E863-922E-4C26-BD64-E8FD41D28661}"/>
+              </a:ext>
+              <a:ext uri="{C183D7F6-B498-43B3-948B-1728B52AA6E4}">
+                <adec:decorative xmlns:adec="http://schemas.microsoft.com/office/drawing/2017/decorative" val="1"/>
+              </a:ext>
+            </a:extLst>
+          </p:cNvPr>
+          <p:cNvSpPr>
+            <a:spLocks noGrp="1" noRot="1" noChangeAspect="1" noMove="1" noResize="1" noEditPoints="1" noAdjustHandles="1" noChangeArrowheads="1" noChangeShapeType="1" noTextEdit="1"/>
+          </p:cNvSpPr>
+          <p:nvPr>
+            <p:extLst>
+              <p:ext uri="{386F3935-93C4-4BCD-93E2-E3B085C9AB24}">
+                <p16:designElem xmlns:p16="http://schemas.microsoft.com/office/powerpoint/2015/main" val="1"/>
+              </p:ext>
+            </p:extLst>
           </p:nvPr>
         </p:nvSpPr>
         <p:spPr>
           <a:xfrm>
-            <a:off x="828675" y="1816100"/>
-            <a:ext cx="10515600" cy="4351338"/>
+            <a:off x="669036" y="1677373"/>
+            <a:ext cx="10853928" cy="18288"/>
+          </a:xfrm>
+          <a:custGeom>
+            <a:avLst/>
+            <a:gdLst>
+              <a:gd name="connsiteX0" fmla="*/ 0 w 10853928"/>
+              <a:gd name="connsiteY0" fmla="*/ 0 h 18288"/>
+              <a:gd name="connsiteX1" fmla="*/ 461292 w 10853928"/>
+              <a:gd name="connsiteY1" fmla="*/ 0 h 18288"/>
+              <a:gd name="connsiteX2" fmla="*/ 1139662 w 10853928"/>
+              <a:gd name="connsiteY2" fmla="*/ 0 h 18288"/>
+              <a:gd name="connsiteX3" fmla="*/ 1926572 w 10853928"/>
+              <a:gd name="connsiteY3" fmla="*/ 0 h 18288"/>
+              <a:gd name="connsiteX4" fmla="*/ 2279325 w 10853928"/>
+              <a:gd name="connsiteY4" fmla="*/ 0 h 18288"/>
+              <a:gd name="connsiteX5" fmla="*/ 2632078 w 10853928"/>
+              <a:gd name="connsiteY5" fmla="*/ 0 h 18288"/>
+              <a:gd name="connsiteX6" fmla="*/ 3527527 w 10853928"/>
+              <a:gd name="connsiteY6" fmla="*/ 0 h 18288"/>
+              <a:gd name="connsiteX7" fmla="*/ 4205897 w 10853928"/>
+              <a:gd name="connsiteY7" fmla="*/ 0 h 18288"/>
+              <a:gd name="connsiteX8" fmla="*/ 4558650 w 10853928"/>
+              <a:gd name="connsiteY8" fmla="*/ 0 h 18288"/>
+              <a:gd name="connsiteX9" fmla="*/ 5237020 w 10853928"/>
+              <a:gd name="connsiteY9" fmla="*/ 0 h 18288"/>
+              <a:gd name="connsiteX10" fmla="*/ 6132469 w 10853928"/>
+              <a:gd name="connsiteY10" fmla="*/ 0 h 18288"/>
+              <a:gd name="connsiteX11" fmla="*/ 6702301 w 10853928"/>
+              <a:gd name="connsiteY11" fmla="*/ 0 h 18288"/>
+              <a:gd name="connsiteX12" fmla="*/ 7272132 w 10853928"/>
+              <a:gd name="connsiteY12" fmla="*/ 0 h 18288"/>
+              <a:gd name="connsiteX13" fmla="*/ 7950502 w 10853928"/>
+              <a:gd name="connsiteY13" fmla="*/ 0 h 18288"/>
+              <a:gd name="connsiteX14" fmla="*/ 8737412 w 10853928"/>
+              <a:gd name="connsiteY14" fmla="*/ 0 h 18288"/>
+              <a:gd name="connsiteX15" fmla="*/ 9524322 w 10853928"/>
+              <a:gd name="connsiteY15" fmla="*/ 0 h 18288"/>
+              <a:gd name="connsiteX16" fmla="*/ 10853928 w 10853928"/>
+              <a:gd name="connsiteY16" fmla="*/ 0 h 18288"/>
+              <a:gd name="connsiteX17" fmla="*/ 10853928 w 10853928"/>
+              <a:gd name="connsiteY17" fmla="*/ 18288 h 18288"/>
+              <a:gd name="connsiteX18" fmla="*/ 10392636 w 10853928"/>
+              <a:gd name="connsiteY18" fmla="*/ 18288 h 18288"/>
+              <a:gd name="connsiteX19" fmla="*/ 9497187 w 10853928"/>
+              <a:gd name="connsiteY19" fmla="*/ 18288 h 18288"/>
+              <a:gd name="connsiteX20" fmla="*/ 8818817 w 10853928"/>
+              <a:gd name="connsiteY20" fmla="*/ 18288 h 18288"/>
+              <a:gd name="connsiteX21" fmla="*/ 8466064 w 10853928"/>
+              <a:gd name="connsiteY21" fmla="*/ 18288 h 18288"/>
+              <a:gd name="connsiteX22" fmla="*/ 7787693 w 10853928"/>
+              <a:gd name="connsiteY22" fmla="*/ 18288 h 18288"/>
+              <a:gd name="connsiteX23" fmla="*/ 7217862 w 10853928"/>
+              <a:gd name="connsiteY23" fmla="*/ 18288 h 18288"/>
+              <a:gd name="connsiteX24" fmla="*/ 6648031 w 10853928"/>
+              <a:gd name="connsiteY24" fmla="*/ 18288 h 18288"/>
+              <a:gd name="connsiteX25" fmla="*/ 6078200 w 10853928"/>
+              <a:gd name="connsiteY25" fmla="*/ 18288 h 18288"/>
+              <a:gd name="connsiteX26" fmla="*/ 5508368 w 10853928"/>
+              <a:gd name="connsiteY26" fmla="*/ 18288 h 18288"/>
+              <a:gd name="connsiteX27" fmla="*/ 4721459 w 10853928"/>
+              <a:gd name="connsiteY27" fmla="*/ 18288 h 18288"/>
+              <a:gd name="connsiteX28" fmla="*/ 4043088 w 10853928"/>
+              <a:gd name="connsiteY28" fmla="*/ 18288 h 18288"/>
+              <a:gd name="connsiteX29" fmla="*/ 3690336 w 10853928"/>
+              <a:gd name="connsiteY29" fmla="*/ 18288 h 18288"/>
+              <a:gd name="connsiteX30" fmla="*/ 3120504 w 10853928"/>
+              <a:gd name="connsiteY30" fmla="*/ 18288 h 18288"/>
+              <a:gd name="connsiteX31" fmla="*/ 2333595 w 10853928"/>
+              <a:gd name="connsiteY31" fmla="*/ 18288 h 18288"/>
+              <a:gd name="connsiteX32" fmla="*/ 1872303 w 10853928"/>
+              <a:gd name="connsiteY32" fmla="*/ 18288 h 18288"/>
+              <a:gd name="connsiteX33" fmla="*/ 976854 w 10853928"/>
+              <a:gd name="connsiteY33" fmla="*/ 18288 h 18288"/>
+              <a:gd name="connsiteX34" fmla="*/ 0 w 10853928"/>
+              <a:gd name="connsiteY34" fmla="*/ 18288 h 18288"/>
+              <a:gd name="connsiteX35" fmla="*/ 0 w 10853928"/>
+              <a:gd name="connsiteY35" fmla="*/ 0 h 18288"/>
+            </a:gdLst>
+            <a:ahLst/>
+            <a:cxnLst>
+              <a:cxn ang="0">
+                <a:pos x="connsiteX0" y="connsiteY0"/>
+              </a:cxn>
+              <a:cxn ang="0">
+                <a:pos x="connsiteX1" y="connsiteY1"/>
+              </a:cxn>
+              <a:cxn ang="0">
+                <a:pos x="connsiteX2" y="connsiteY2"/>
+              </a:cxn>
+              <a:cxn ang="0">
+                <a:pos x="connsiteX3" y="connsiteY3"/>
+              </a:cxn>
+              <a:cxn ang="0">
+                <a:pos x="connsiteX4" y="connsiteY4"/>
+              </a:cxn>
+              <a:cxn ang="0">
+                <a:pos x="connsiteX5" y="connsiteY5"/>
+              </a:cxn>
+              <a:cxn ang="0">
+                <a:pos x="connsiteX6" y="connsiteY6"/>
+              </a:cxn>
+              <a:cxn ang="0">
+                <a:pos x="connsiteX7" y="connsiteY7"/>
+              </a:cxn>
+              <a:cxn ang="0">
+                <a:pos x="connsiteX8" y="connsiteY8"/>
+              </a:cxn>
+              <a:cxn ang="0">
+                <a:pos x="connsiteX9" y="connsiteY9"/>
+              </a:cxn>
+              <a:cxn ang="0">
+                <a:pos x="connsiteX10" y="connsiteY10"/>
+              </a:cxn>
+              <a:cxn ang="0">
+                <a:pos x="connsiteX11" y="connsiteY11"/>
+              </a:cxn>
+              <a:cxn ang="0">
+                <a:pos x="connsiteX12" y="connsiteY12"/>
+              </a:cxn>
+              <a:cxn ang="0">
+                <a:pos x="connsiteX13" y="connsiteY13"/>
+              </a:cxn>
+              <a:cxn ang="0">
+                <a:pos x="connsiteX14" y="connsiteY14"/>
+              </a:cxn>
+              <a:cxn ang="0">
+                <a:pos x="connsiteX15" y="connsiteY15"/>
+              </a:cxn>
+              <a:cxn ang="0">
+                <a:pos x="connsiteX16" y="connsiteY16"/>
+              </a:cxn>
+              <a:cxn ang="0">
+                <a:pos x="connsiteX17" y="connsiteY17"/>
+              </a:cxn>
+              <a:cxn ang="0">
+                <a:pos x="connsiteX18" y="connsiteY18"/>
+              </a:cxn>
+              <a:cxn ang="0">
+                <a:pos x="connsiteX19" y="connsiteY19"/>
+              </a:cxn>
+              <a:cxn ang="0">
+                <a:pos x="connsiteX20" y="connsiteY20"/>
+              </a:cxn>
+              <a:cxn ang="0">
+                <a:pos x="connsiteX21" y="connsiteY21"/>
+              </a:cxn>
+              <a:cxn ang="0">
+                <a:pos x="connsiteX22" y="connsiteY22"/>
+              </a:cxn>
+              <a:cxn ang="0">
+                <a:pos x="connsiteX23" y="connsiteY23"/>
+              </a:cxn>
+              <a:cxn ang="0">
+                <a:pos x="connsiteX24" y="connsiteY24"/>
+              </a:cxn>
+              <a:cxn ang="0">
+                <a:pos x="connsiteX25" y="connsiteY25"/>
+              </a:cxn>
+              <a:cxn ang="0">
+                <a:pos x="connsiteX26" y="connsiteY26"/>
+              </a:cxn>
+              <a:cxn ang="0">
+                <a:pos x="connsiteX27" y="connsiteY27"/>
+              </a:cxn>
+              <a:cxn ang="0">
+                <a:pos x="connsiteX28" y="connsiteY28"/>
+              </a:cxn>
+              <a:cxn ang="0">
+                <a:pos x="connsiteX29" y="connsiteY29"/>
+              </a:cxn>
+              <a:cxn ang="0">
+                <a:pos x="connsiteX30" y="connsiteY30"/>
+              </a:cxn>
+              <a:cxn ang="0">
+                <a:pos x="connsiteX31" y="connsiteY31"/>
+              </a:cxn>
+              <a:cxn ang="0">
+                <a:pos x="connsiteX32" y="connsiteY32"/>
+              </a:cxn>
+              <a:cxn ang="0">
+                <a:pos x="connsiteX33" y="connsiteY33"/>
+              </a:cxn>
+              <a:cxn ang="0">
+                <a:pos x="connsiteX34" y="connsiteY34"/>
+              </a:cxn>
+              <a:cxn ang="0">
+                <a:pos x="connsiteX35" y="connsiteY35"/>
+              </a:cxn>
+            </a:cxnLst>
+            <a:rect l="l" t="t" r="r" b="b"/>
+            <a:pathLst>
+              <a:path w="10853928" h="18288" fill="none" extrusionOk="0">
+                <a:moveTo>
+                  <a:pt x="0" y="0"/>
+                </a:moveTo>
+                <a:cubicBezTo>
+                  <a:pt x="146993" y="-19076"/>
+                  <a:pt x="347684" y="-4790"/>
+                  <a:pt x="461292" y="0"/>
+                </a:cubicBezTo>
+                <a:cubicBezTo>
+                  <a:pt x="574900" y="4790"/>
+                  <a:pt x="808367" y="19821"/>
+                  <a:pt x="1139662" y="0"/>
+                </a:cubicBezTo>
+                <a:cubicBezTo>
+                  <a:pt x="1470957" y="-19821"/>
+                  <a:pt x="1627405" y="5721"/>
+                  <a:pt x="1926572" y="0"/>
+                </a:cubicBezTo>
+                <a:cubicBezTo>
+                  <a:pt x="2225739" y="-5721"/>
+                  <a:pt x="2137730" y="-3235"/>
+                  <a:pt x="2279325" y="0"/>
+                </a:cubicBezTo>
+                <a:cubicBezTo>
+                  <a:pt x="2420920" y="3235"/>
+                  <a:pt x="2456518" y="9685"/>
+                  <a:pt x="2632078" y="0"/>
+                </a:cubicBezTo>
+                <a:cubicBezTo>
+                  <a:pt x="2807638" y="-9685"/>
+                  <a:pt x="3211516" y="-43007"/>
+                  <a:pt x="3527527" y="0"/>
+                </a:cubicBezTo>
+                <a:cubicBezTo>
+                  <a:pt x="3843538" y="43007"/>
+                  <a:pt x="4058833" y="22042"/>
+                  <a:pt x="4205897" y="0"/>
+                </a:cubicBezTo>
+                <a:cubicBezTo>
+                  <a:pt x="4352961" y="-22042"/>
+                  <a:pt x="4474805" y="-11846"/>
+                  <a:pt x="4558650" y="0"/>
+                </a:cubicBezTo>
+                <a:cubicBezTo>
+                  <a:pt x="4642495" y="11846"/>
+                  <a:pt x="5041928" y="-6069"/>
+                  <a:pt x="5237020" y="0"/>
+                </a:cubicBezTo>
+                <a:cubicBezTo>
+                  <a:pt x="5432112" y="6069"/>
+                  <a:pt x="5943266" y="-17479"/>
+                  <a:pt x="6132469" y="0"/>
+                </a:cubicBezTo>
+                <a:cubicBezTo>
+                  <a:pt x="6321672" y="17479"/>
+                  <a:pt x="6483872" y="26234"/>
+                  <a:pt x="6702301" y="0"/>
+                </a:cubicBezTo>
+                <a:cubicBezTo>
+                  <a:pt x="6920730" y="-26234"/>
+                  <a:pt x="6991194" y="-15156"/>
+                  <a:pt x="7272132" y="0"/>
+                </a:cubicBezTo>
+                <a:cubicBezTo>
+                  <a:pt x="7553070" y="15156"/>
+                  <a:pt x="7684444" y="-32961"/>
+                  <a:pt x="7950502" y="0"/>
+                </a:cubicBezTo>
+                <a:cubicBezTo>
+                  <a:pt x="8216560" y="32961"/>
+                  <a:pt x="8493290" y="-10491"/>
+                  <a:pt x="8737412" y="0"/>
+                </a:cubicBezTo>
+                <a:cubicBezTo>
+                  <a:pt x="8981534" y="10491"/>
+                  <a:pt x="9191586" y="-13899"/>
+                  <a:pt x="9524322" y="0"/>
+                </a:cubicBezTo>
+                <a:cubicBezTo>
+                  <a:pt x="9857058" y="13899"/>
+                  <a:pt x="10297509" y="7485"/>
+                  <a:pt x="10853928" y="0"/>
+                </a:cubicBezTo>
+                <a:cubicBezTo>
+                  <a:pt x="10854574" y="4451"/>
+                  <a:pt x="10854418" y="9226"/>
+                  <a:pt x="10853928" y="18288"/>
+                </a:cubicBezTo>
+                <a:cubicBezTo>
+                  <a:pt x="10691638" y="28522"/>
+                  <a:pt x="10574319" y="29578"/>
+                  <a:pt x="10392636" y="18288"/>
+                </a:cubicBezTo>
+                <a:cubicBezTo>
+                  <a:pt x="10210953" y="6998"/>
+                  <a:pt x="9836277" y="-16742"/>
+                  <a:pt x="9497187" y="18288"/>
+                </a:cubicBezTo>
+                <a:cubicBezTo>
+                  <a:pt x="9158097" y="53318"/>
+                  <a:pt x="9119479" y="30714"/>
+                  <a:pt x="8818817" y="18288"/>
+                </a:cubicBezTo>
+                <a:cubicBezTo>
+                  <a:pt x="8518155" y="5863"/>
+                  <a:pt x="8640037" y="6483"/>
+                  <a:pt x="8466064" y="18288"/>
+                </a:cubicBezTo>
+                <a:cubicBezTo>
+                  <a:pt x="8292091" y="30093"/>
+                  <a:pt x="7997656" y="18914"/>
+                  <a:pt x="7787693" y="18288"/>
+                </a:cubicBezTo>
+                <a:cubicBezTo>
+                  <a:pt x="7577730" y="17662"/>
+                  <a:pt x="7412468" y="21416"/>
+                  <a:pt x="7217862" y="18288"/>
+                </a:cubicBezTo>
+                <a:cubicBezTo>
+                  <a:pt x="7023256" y="15160"/>
+                  <a:pt x="6898018" y="14824"/>
+                  <a:pt x="6648031" y="18288"/>
+                </a:cubicBezTo>
+                <a:cubicBezTo>
+                  <a:pt x="6398044" y="21752"/>
+                  <a:pt x="6254402" y="38625"/>
+                  <a:pt x="6078200" y="18288"/>
+                </a:cubicBezTo>
+                <a:cubicBezTo>
+                  <a:pt x="5901998" y="-2049"/>
+                  <a:pt x="5622886" y="3213"/>
+                  <a:pt x="5508368" y="18288"/>
+                </a:cubicBezTo>
+                <a:cubicBezTo>
+                  <a:pt x="5393850" y="33363"/>
+                  <a:pt x="5036260" y="26830"/>
+                  <a:pt x="4721459" y="18288"/>
+                </a:cubicBezTo>
+                <a:cubicBezTo>
+                  <a:pt x="4406658" y="9746"/>
+                  <a:pt x="4239221" y="41551"/>
+                  <a:pt x="4043088" y="18288"/>
+                </a:cubicBezTo>
+                <a:cubicBezTo>
+                  <a:pt x="3846955" y="-4975"/>
+                  <a:pt x="3818802" y="34658"/>
+                  <a:pt x="3690336" y="18288"/>
+                </a:cubicBezTo>
+                <a:cubicBezTo>
+                  <a:pt x="3561870" y="1918"/>
+                  <a:pt x="3265491" y="42194"/>
+                  <a:pt x="3120504" y="18288"/>
+                </a:cubicBezTo>
+                <a:cubicBezTo>
+                  <a:pt x="2975517" y="-5618"/>
+                  <a:pt x="2720254" y="36673"/>
+                  <a:pt x="2333595" y="18288"/>
+                </a:cubicBezTo>
+                <a:cubicBezTo>
+                  <a:pt x="1946936" y="-97"/>
+                  <a:pt x="2097241" y="5776"/>
+                  <a:pt x="1872303" y="18288"/>
+                </a:cubicBezTo>
+                <a:cubicBezTo>
+                  <a:pt x="1647365" y="30800"/>
+                  <a:pt x="1282708" y="45380"/>
+                  <a:pt x="976854" y="18288"/>
+                </a:cubicBezTo>
+                <a:cubicBezTo>
+                  <a:pt x="671000" y="-8804"/>
+                  <a:pt x="408401" y="-12775"/>
+                  <a:pt x="0" y="18288"/>
+                </a:cubicBezTo>
+                <a:cubicBezTo>
+                  <a:pt x="-213" y="9468"/>
+                  <a:pt x="187" y="4459"/>
+                  <a:pt x="0" y="0"/>
+                </a:cubicBezTo>
+                <a:close/>
+              </a:path>
+              <a:path w="10853928" h="18288" stroke="0" extrusionOk="0">
+                <a:moveTo>
+                  <a:pt x="0" y="0"/>
+                </a:moveTo>
+                <a:cubicBezTo>
+                  <a:pt x="267322" y="15284"/>
+                  <a:pt x="415388" y="-21048"/>
+                  <a:pt x="569831" y="0"/>
+                </a:cubicBezTo>
+                <a:cubicBezTo>
+                  <a:pt x="724274" y="21048"/>
+                  <a:pt x="769333" y="-2353"/>
+                  <a:pt x="922584" y="0"/>
+                </a:cubicBezTo>
+                <a:cubicBezTo>
+                  <a:pt x="1075835" y="2353"/>
+                  <a:pt x="1399490" y="-145"/>
+                  <a:pt x="1818033" y="0"/>
+                </a:cubicBezTo>
+                <a:cubicBezTo>
+                  <a:pt x="2236576" y="145"/>
+                  <a:pt x="2145330" y="5482"/>
+                  <a:pt x="2387864" y="0"/>
+                </a:cubicBezTo>
+                <a:cubicBezTo>
+                  <a:pt x="2630398" y="-5482"/>
+                  <a:pt x="2793207" y="18487"/>
+                  <a:pt x="2957695" y="0"/>
+                </a:cubicBezTo>
+                <a:cubicBezTo>
+                  <a:pt x="3122183" y="-18487"/>
+                  <a:pt x="3579141" y="19003"/>
+                  <a:pt x="3853144" y="0"/>
+                </a:cubicBezTo>
+                <a:cubicBezTo>
+                  <a:pt x="4127147" y="-19003"/>
+                  <a:pt x="4209857" y="12211"/>
+                  <a:pt x="4314436" y="0"/>
+                </a:cubicBezTo>
+                <a:cubicBezTo>
+                  <a:pt x="4419015" y="-12211"/>
+                  <a:pt x="4762459" y="-17220"/>
+                  <a:pt x="5209885" y="0"/>
+                </a:cubicBezTo>
+                <a:cubicBezTo>
+                  <a:pt x="5657311" y="17220"/>
+                  <a:pt x="5692663" y="-3290"/>
+                  <a:pt x="6105335" y="0"/>
+                </a:cubicBezTo>
+                <a:cubicBezTo>
+                  <a:pt x="6518007" y="3290"/>
+                  <a:pt x="6455516" y="-5124"/>
+                  <a:pt x="6783705" y="0"/>
+                </a:cubicBezTo>
+                <a:cubicBezTo>
+                  <a:pt x="7111894" y="5124"/>
+                  <a:pt x="7441941" y="-17829"/>
+                  <a:pt x="7679154" y="0"/>
+                </a:cubicBezTo>
+                <a:cubicBezTo>
+                  <a:pt x="7916367" y="17829"/>
+                  <a:pt x="8102967" y="-24363"/>
+                  <a:pt x="8248985" y="0"/>
+                </a:cubicBezTo>
+                <a:cubicBezTo>
+                  <a:pt x="8395003" y="24363"/>
+                  <a:pt x="8552393" y="25505"/>
+                  <a:pt x="8818817" y="0"/>
+                </a:cubicBezTo>
+                <a:cubicBezTo>
+                  <a:pt x="9085241" y="-25505"/>
+                  <a:pt x="9411308" y="38000"/>
+                  <a:pt x="9605726" y="0"/>
+                </a:cubicBezTo>
+                <a:cubicBezTo>
+                  <a:pt x="9800144" y="-38000"/>
+                  <a:pt x="10006468" y="-25741"/>
+                  <a:pt x="10175558" y="0"/>
+                </a:cubicBezTo>
+                <a:cubicBezTo>
+                  <a:pt x="10344648" y="25741"/>
+                  <a:pt x="10696282" y="695"/>
+                  <a:pt x="10853928" y="0"/>
+                </a:cubicBezTo>
+                <a:cubicBezTo>
+                  <a:pt x="10853521" y="8690"/>
+                  <a:pt x="10853774" y="14141"/>
+                  <a:pt x="10853928" y="18288"/>
+                </a:cubicBezTo>
+                <a:cubicBezTo>
+                  <a:pt x="10608124" y="24255"/>
+                  <a:pt x="10343415" y="22307"/>
+                  <a:pt x="10067018" y="18288"/>
+                </a:cubicBezTo>
+                <a:cubicBezTo>
+                  <a:pt x="9790621" y="14270"/>
+                  <a:pt x="9843266" y="3564"/>
+                  <a:pt x="9714266" y="18288"/>
+                </a:cubicBezTo>
+                <a:cubicBezTo>
+                  <a:pt x="9585266" y="33012"/>
+                  <a:pt x="9379484" y="1875"/>
+                  <a:pt x="9252974" y="18288"/>
+                </a:cubicBezTo>
+                <a:cubicBezTo>
+                  <a:pt x="9126464" y="34701"/>
+                  <a:pt x="8580678" y="-4904"/>
+                  <a:pt x="8357525" y="18288"/>
+                </a:cubicBezTo>
+                <a:cubicBezTo>
+                  <a:pt x="8134372" y="41480"/>
+                  <a:pt x="7903199" y="26458"/>
+                  <a:pt x="7679154" y="18288"/>
+                </a:cubicBezTo>
+                <a:cubicBezTo>
+                  <a:pt x="7455109" y="10118"/>
+                  <a:pt x="7435944" y="27109"/>
+                  <a:pt x="7217862" y="18288"/>
+                </a:cubicBezTo>
+                <a:cubicBezTo>
+                  <a:pt x="6999780" y="9467"/>
+                  <a:pt x="6680409" y="18985"/>
+                  <a:pt x="6539492" y="18288"/>
+                </a:cubicBezTo>
+                <a:cubicBezTo>
+                  <a:pt x="6398575" y="17592"/>
+                  <a:pt x="6312077" y="33018"/>
+                  <a:pt x="6186739" y="18288"/>
+                </a:cubicBezTo>
+                <a:cubicBezTo>
+                  <a:pt x="6061401" y="3558"/>
+                  <a:pt x="5947033" y="12075"/>
+                  <a:pt x="5833986" y="18288"/>
+                </a:cubicBezTo>
+                <a:cubicBezTo>
+                  <a:pt x="5720939" y="24501"/>
+                  <a:pt x="5482226" y="8586"/>
+                  <a:pt x="5155616" y="18288"/>
+                </a:cubicBezTo>
+                <a:cubicBezTo>
+                  <a:pt x="4829006" y="27991"/>
+                  <a:pt x="4841274" y="29316"/>
+                  <a:pt x="4694324" y="18288"/>
+                </a:cubicBezTo>
+                <a:cubicBezTo>
+                  <a:pt x="4547374" y="7260"/>
+                  <a:pt x="4077675" y="7013"/>
+                  <a:pt x="3907414" y="18288"/>
+                </a:cubicBezTo>
+                <a:cubicBezTo>
+                  <a:pt x="3737153" y="29564"/>
+                  <a:pt x="3538393" y="21630"/>
+                  <a:pt x="3446122" y="18288"/>
+                </a:cubicBezTo>
+                <a:cubicBezTo>
+                  <a:pt x="3353851" y="14946"/>
+                  <a:pt x="2990320" y="-8091"/>
+                  <a:pt x="2659212" y="18288"/>
+                </a:cubicBezTo>
+                <a:cubicBezTo>
+                  <a:pt x="2328104" y="44667"/>
+                  <a:pt x="2427653" y="9607"/>
+                  <a:pt x="2306460" y="18288"/>
+                </a:cubicBezTo>
+                <a:cubicBezTo>
+                  <a:pt x="2185267" y="26969"/>
+                  <a:pt x="1719763" y="3717"/>
+                  <a:pt x="1519550" y="18288"/>
+                </a:cubicBezTo>
+                <a:cubicBezTo>
+                  <a:pt x="1319337" y="32860"/>
+                  <a:pt x="1167371" y="17040"/>
+                  <a:pt x="1058258" y="18288"/>
+                </a:cubicBezTo>
+                <a:cubicBezTo>
+                  <a:pt x="949145" y="19536"/>
+                  <a:pt x="780234" y="31447"/>
+                  <a:pt x="705505" y="18288"/>
+                </a:cubicBezTo>
+                <a:cubicBezTo>
+                  <a:pt x="630776" y="5129"/>
+                  <a:pt x="215796" y="30056"/>
+                  <a:pt x="0" y="18288"/>
+                </a:cubicBezTo>
+                <a:cubicBezTo>
+                  <a:pt x="-53" y="11301"/>
+                  <a:pt x="-649" y="7756"/>
+                  <a:pt x="0" y="0"/>
+                </a:cubicBezTo>
+                <a:close/>
+              </a:path>
+            </a:pathLst>
+          </a:custGeom>
+          <a:solidFill>
+            <a:schemeClr val="accent2"/>
+          </a:solidFill>
+          <a:ln w="41275" cap="rnd">
+            <a:solidFill>
+              <a:schemeClr val="accent2"/>
+            </a:solidFill>
+            <a:round/>
+            <a:extLst>
+              <a:ext uri="{C807C97D-BFC1-408E-A445-0C87EB9F89A2}">
+                <ask:lineSketchStyleProps xmlns:ask="http://schemas.microsoft.com/office/drawing/2018/sketchyshapes" sd="1219033472">
+                  <a:prstGeom prst="rect">
+                    <a:avLst/>
+                  </a:prstGeom>
+                  <ask:type>
+                    <ask:lineSketchFreehand/>
+                  </ask:type>
+                </ask:lineSketchStyleProps>
+              </a:ext>
+            </a:extLst>
+          </a:ln>
+        </p:spPr>
+        <p:style>
+          <a:lnRef idx="2">
+            <a:schemeClr val="accent1">
+              <a:shade val="50000"/>
+            </a:schemeClr>
+          </a:lnRef>
+          <a:fillRef idx="1">
+            <a:schemeClr val="accent1"/>
+          </a:fillRef>
+          <a:effectRef idx="0">
+            <a:schemeClr val="accent1"/>
+          </a:effectRef>
+          <a:fontRef idx="minor">
+            <a:schemeClr val="lt1"/>
+          </a:fontRef>
+        </p:style>
+        <p:txBody>
+          <a:bodyPr rtlCol="0" anchor="ctr"/>
+          <a:lstStyle/>
+          <a:p>
+            <a:pPr algn="ctr"/>
+            <a:endParaRPr lang="en-US"/>
+          </a:p>
+        </p:txBody>
+      </p:sp>
+      <p:sp>
+        <p:nvSpPr>
+          <p:cNvPr id="3" name="Content Placeholder 2">
+            <a:extLst>
+              <a:ext uri="{FF2B5EF4-FFF2-40B4-BE49-F238E27FC236}">
+                <a16:creationId xmlns:a16="http://schemas.microsoft.com/office/drawing/2014/main" id="{042F7254-8791-5024-321D-70D3C9A5A029}"/>
+              </a:ext>
+            </a:extLst>
+          </p:cNvPr>
+          <p:cNvSpPr>
+            <a:spLocks noGrp="1"/>
+          </p:cNvSpPr>
+          <p:nvPr>
+            <p:ph idx="1"/>
+          </p:nvPr>
+        </p:nvSpPr>
+        <p:spPr>
+          <a:xfrm>
+            <a:off x="838200" y="1929384"/>
+            <a:ext cx="10515600" cy="4251960"/>
           </a:xfrm>
         </p:spPr>
         <p:txBody>
-          <a:bodyPr/>
+          <a:bodyPr>
+            <a:normAutofit/>
+          </a:bodyPr>
           <a:lstStyle/>
           <a:p>
             <a:r>
-              <a:rPr lang="en-US" dirty="0"/>
+              <a:rPr lang="en-US" sz="2200"/>
               <a:t>Industry: Real Estate</a:t>
             </a:r>
           </a:p>
           <a:p>
             <a:r>
-              <a:rPr lang="en-US" dirty="0"/>
+              <a:rPr lang="en-US" sz="2200"/>
               <a:t>Year Founded: 2016</a:t>
             </a:r>
           </a:p>
           <a:p>
             <a:r>
-              <a:rPr lang="en-US" dirty="0"/>
+              <a:rPr lang="en-US" sz="2200"/>
               <a:t>Headquarters: Palo Alto, California</a:t>
             </a:r>
           </a:p>
           <a:p>
             <a:r>
-              <a:rPr lang="en-US" dirty="0"/>
+              <a:rPr lang="en-US" sz="2200"/>
               <a:t>Geographical scope: Global </a:t>
             </a:r>
             <a:r>
-              <a:rPr lang="en-US" dirty="0">
+              <a:rPr lang="en-US" sz="2200">
                 <a:highlight>
                   <a:srgbClr val="FFFF00"/>
                 </a:highlight>
@@ -3885,11 +4983,11 @@
             <a:pPr marL="0" indent="0">
               <a:buNone/>
             </a:pPr>
-            <a:endParaRPr lang="en-US" dirty="0"/>
-          </a:p>
-          <a:p>
-            <a:r>
-              <a:rPr lang="en-US" dirty="0"/>
+            <a:endParaRPr lang="en-US" sz="2200"/>
+          </a:p>
+          <a:p>
+            <a:r>
+              <a:rPr lang="en-US" sz="2200"/>
               <a:t>Vision: Removing barriers to real estate ownership, enabling self-driving real estate transactions with all of the logistics seamlessly executed on the back-end </a:t>
             </a:r>
           </a:p>
@@ -3911,6 +5009,14 @@
 <file path=ppt/slides/slide4.xml><?xml version="1.0" encoding="utf-8"?>
 <p:sld xmlns:a="http://schemas.openxmlformats.org/drawingml/2006/main" xmlns:r="http://schemas.openxmlformats.org/officeDocument/2006/relationships" xmlns:p="http://schemas.openxmlformats.org/presentationml/2006/main">
   <p:cSld>
+    <p:bg>
+      <p:bgPr>
+        <a:solidFill>
+          <a:schemeClr val="bg1"/>
+        </a:solidFill>
+        <a:effectLst/>
+      </p:bgPr>
+    </p:bg>
     <p:spTree>
       <p:nvGrpSpPr>
         <p:cNvPr id="1" name=""/>
@@ -3925,12 +5031,72 @@
           <a:chExt cx="0" cy="0"/>
         </a:xfrm>
       </p:grpSpPr>
+      <p:sp useBgFill="1">
+        <p:nvSpPr>
+          <p:cNvPr id="9" name="Rectangle 8">
+            <a:extLst>
+              <a:ext uri="{FF2B5EF4-FFF2-40B4-BE49-F238E27FC236}">
+                <a16:creationId xmlns:a16="http://schemas.microsoft.com/office/drawing/2014/main" id="{665DBBEF-238B-476B-96AB-8AAC3224ECEA}"/>
+              </a:ext>
+              <a:ext uri="{C183D7F6-B498-43B3-948B-1728B52AA6E4}">
+                <adec:decorative xmlns:adec="http://schemas.microsoft.com/office/drawing/2017/decorative" val="1"/>
+              </a:ext>
+            </a:extLst>
+          </p:cNvPr>
+          <p:cNvSpPr>
+            <a:spLocks noGrp="1" noRot="1" noChangeAspect="1" noMove="1" noResize="1" noEditPoints="1" noAdjustHandles="1" noChangeArrowheads="1" noChangeShapeType="1" noTextEdit="1"/>
+          </p:cNvSpPr>
+          <p:nvPr>
+            <p:extLst>
+              <p:ext uri="{386F3935-93C4-4BCD-93E2-E3B085C9AB24}">
+                <p16:designElem xmlns:p16="http://schemas.microsoft.com/office/powerpoint/2015/main" val="1"/>
+              </p:ext>
+            </p:extLst>
+          </p:nvPr>
+        </p:nvSpPr>
+        <p:spPr>
+          <a:xfrm>
+            <a:off x="0" y="0"/>
+            <a:ext cx="12192000" cy="6858000"/>
+          </a:xfrm>
+          <a:prstGeom prst="rect">
+            <a:avLst/>
+          </a:prstGeom>
+          <a:ln>
+            <a:noFill/>
+          </a:ln>
+        </p:spPr>
+        <p:style>
+          <a:lnRef idx="2">
+            <a:schemeClr val="accent1">
+              <a:shade val="50000"/>
+            </a:schemeClr>
+          </a:lnRef>
+          <a:fillRef idx="1">
+            <a:schemeClr val="accent1"/>
+          </a:fillRef>
+          <a:effectRef idx="0">
+            <a:schemeClr val="accent1"/>
+          </a:effectRef>
+          <a:fontRef idx="minor">
+            <a:schemeClr val="lt1"/>
+          </a:fontRef>
+        </p:style>
+        <p:txBody>
+          <a:bodyPr rtlCol="0" anchor="ctr"/>
+          <a:lstStyle/>
+          <a:p>
+            <a:pPr algn="ctr"/>
+            <a:endParaRPr lang="en-US"/>
+          </a:p>
+        </p:txBody>
+      </p:sp>
       <p:sp>
         <p:nvSpPr>
           <p:cNvPr id="2" name="Title 1">
             <a:extLst>
               <a:ext uri="{FF2B5EF4-FFF2-40B4-BE49-F238E27FC236}">
-                <a16:creationId xmlns:a16="http://schemas.microsoft.com/office/drawing/2014/main" id="{98ED8A4C-A2F2-7F55-09CD-FF7B12112188}"/>
+                <a16:creationId xmlns:a16="http://schemas.microsoft.com/office/drawing/2014/main" id="{F846E3D0-B40D-AA8D-BB74-BB5AAA3D19DC}"/>
               </a:ext>
             </a:extLst>
           </p:cNvPr>
@@ -3941,102 +5107,350 @@
             <p:ph type="title"/>
           </p:nvPr>
         </p:nvSpPr>
-        <p:spPr/>
-        <p:txBody>
-          <a:bodyPr/>
-          <a:lstStyle/>
-          <a:p>
-            <a:r>
-              <a:rPr lang="en-US" dirty="0"/>
-              <a:t>Type of chain and consensus</a:t>
-            </a:r>
-            <a:br>
-              <a:rPr lang="en-US" dirty="0"/>
-            </a:br>
-            <a:endParaRPr lang="en-US" dirty="0"/>
-          </a:p>
-        </p:txBody>
-      </p:sp>
-      <p:sp>
-        <p:nvSpPr>
-          <p:cNvPr id="3" name="Content Placeholder 2">
-            <a:extLst>
-              <a:ext uri="{FF2B5EF4-FFF2-40B4-BE49-F238E27FC236}">
-                <a16:creationId xmlns:a16="http://schemas.microsoft.com/office/drawing/2014/main" id="{7EDF6835-2FE3-8455-3385-342ABDEAE689}"/>
-              </a:ext>
-            </a:extLst>
-          </p:cNvPr>
-          <p:cNvSpPr>
-            <a:spLocks noGrp="1"/>
-          </p:cNvSpPr>
-          <p:nvPr>
-            <p:ph idx="1"/>
-          </p:nvPr>
-        </p:nvSpPr>
-        <p:spPr/>
-        <p:txBody>
-          <a:bodyPr>
+        <p:spPr>
+          <a:xfrm>
+            <a:off x="638882" y="639193"/>
+            <a:ext cx="3571810" cy="3573516"/>
+          </a:xfrm>
+        </p:spPr>
+        <p:txBody>
+          <a:bodyPr vert="horz" lIns="91440" tIns="45720" rIns="91440" bIns="45720" rtlCol="0" anchor="b">
             <a:normAutofit/>
           </a:bodyPr>
           <a:lstStyle/>
           <a:p>
             <a:r>
-              <a:rPr lang="en-US" dirty="0"/>
-              <a:t>The purchase offer, payment, and deeds are uploaded to an </a:t>
-            </a:r>
-            <a:r>
-              <a:rPr lang="en-US" b="1" dirty="0"/>
-              <a:t>immutable blockchain</a:t>
-            </a:r>
-          </a:p>
-          <a:p>
-            <a:endParaRPr lang="en-US" b="1" dirty="0"/>
-          </a:p>
-          <a:p>
-            <a:r>
-              <a:rPr lang="en-US" b="1" dirty="0" err="1">
-                <a:highlight>
-                  <a:srgbClr val="FFFF00"/>
-                </a:highlight>
+              <a:rPr lang="en-US" sz="6600" b="1" kern="1200">
+                <a:solidFill>
+                  <a:schemeClr val="tx1"/>
+                </a:solidFill>
+                <a:latin typeface="+mj-lt"/>
+                <a:ea typeface="+mj-ea"/>
+                <a:cs typeface="+mj-cs"/>
               </a:rPr>
-              <a:t>Propy</a:t>
-            </a:r>
-            <a:r>
-              <a:rPr lang="en-US" dirty="0">
-                <a:highlight>
-                  <a:srgbClr val="FFFF00"/>
-                </a:highlight>
+              <a:t>Workflow</a:t>
+            </a:r>
+            <a:r>
+              <a:rPr lang="en-US" sz="6600" kern="1200">
+                <a:solidFill>
+                  <a:schemeClr val="tx1"/>
+                </a:solidFill>
+                <a:latin typeface="+mj-lt"/>
+                <a:ea typeface="+mj-ea"/>
+                <a:cs typeface="+mj-cs"/>
               </a:rPr>
-              <a:t> operates on the Ethereum platform </a:t>
-            </a:r>
-            <a:r>
-              <a:rPr lang="en-US" dirty="0"/>
-              <a:t>and is built on the </a:t>
-            </a:r>
-            <a:r>
-              <a:rPr lang="en-US" b="1" dirty="0"/>
-              <a:t>ERC721</a:t>
-            </a:r>
-            <a:r>
-              <a:rPr lang="en-US" dirty="0"/>
-              <a:t> (NFT standard for unique tokens on Ethereum) token standard, allowing it to integrate with users' wallets.</a:t>
-            </a:r>
-          </a:p>
-          <a:p>
-            <a:endParaRPr lang="en-US" b="1" dirty="0"/>
-          </a:p>
-          <a:p>
-            <a:pPr marL="0" indent="0">
-              <a:buNone/>
-            </a:pPr>
-            <a:endParaRPr lang="en-US" b="1" dirty="0"/>
-          </a:p>
-        </p:txBody>
-      </p:sp>
+              <a:t> </a:t>
+            </a:r>
+          </a:p>
+        </p:txBody>
+      </p:sp>
+      <p:sp>
+        <p:nvSpPr>
+          <p:cNvPr id="11" name="sketch line">
+            <a:extLst>
+              <a:ext uri="{FF2B5EF4-FFF2-40B4-BE49-F238E27FC236}">
+                <a16:creationId xmlns:a16="http://schemas.microsoft.com/office/drawing/2014/main" id="{3FCFB1DE-0B7E-48CC-BA90-B2AB0889F9D6}"/>
+              </a:ext>
+              <a:ext uri="{C183D7F6-B498-43B3-948B-1728B52AA6E4}">
+                <adec:decorative xmlns:adec="http://schemas.microsoft.com/office/drawing/2017/decorative" val="1"/>
+              </a:ext>
+            </a:extLst>
+          </p:cNvPr>
+          <p:cNvSpPr>
+            <a:spLocks noGrp="1" noRot="1" noChangeAspect="1" noMove="1" noResize="1" noEditPoints="1" noAdjustHandles="1" noChangeArrowheads="1" noChangeShapeType="1" noTextEdit="1"/>
+          </p:cNvSpPr>
+          <p:nvPr>
+            <p:extLst>
+              <p:ext uri="{386F3935-93C4-4BCD-93E2-E3B085C9AB24}">
+                <p16:designElem xmlns:p16="http://schemas.microsoft.com/office/powerpoint/2015/main" val="1"/>
+              </p:ext>
+            </p:extLst>
+          </p:nvPr>
+        </p:nvSpPr>
+        <p:spPr>
+          <a:xfrm>
+            <a:off x="643278" y="4409267"/>
+            <a:ext cx="3255095" cy="18288"/>
+          </a:xfrm>
+          <a:custGeom>
+            <a:avLst/>
+            <a:gdLst>
+              <a:gd name="connsiteX0" fmla="*/ 0 w 3255095"/>
+              <a:gd name="connsiteY0" fmla="*/ 0 h 18288"/>
+              <a:gd name="connsiteX1" fmla="*/ 618468 w 3255095"/>
+              <a:gd name="connsiteY1" fmla="*/ 0 h 18288"/>
+              <a:gd name="connsiteX2" fmla="*/ 1269487 w 3255095"/>
+              <a:gd name="connsiteY2" fmla="*/ 0 h 18288"/>
+              <a:gd name="connsiteX3" fmla="*/ 1953057 w 3255095"/>
+              <a:gd name="connsiteY3" fmla="*/ 0 h 18288"/>
+              <a:gd name="connsiteX4" fmla="*/ 2636627 w 3255095"/>
+              <a:gd name="connsiteY4" fmla="*/ 0 h 18288"/>
+              <a:gd name="connsiteX5" fmla="*/ 3255095 w 3255095"/>
+              <a:gd name="connsiteY5" fmla="*/ 0 h 18288"/>
+              <a:gd name="connsiteX6" fmla="*/ 3255095 w 3255095"/>
+              <a:gd name="connsiteY6" fmla="*/ 18288 h 18288"/>
+              <a:gd name="connsiteX7" fmla="*/ 2538974 w 3255095"/>
+              <a:gd name="connsiteY7" fmla="*/ 18288 h 18288"/>
+              <a:gd name="connsiteX8" fmla="*/ 1822853 w 3255095"/>
+              <a:gd name="connsiteY8" fmla="*/ 18288 h 18288"/>
+              <a:gd name="connsiteX9" fmla="*/ 1171834 w 3255095"/>
+              <a:gd name="connsiteY9" fmla="*/ 18288 h 18288"/>
+              <a:gd name="connsiteX10" fmla="*/ 0 w 3255095"/>
+              <a:gd name="connsiteY10" fmla="*/ 18288 h 18288"/>
+              <a:gd name="connsiteX11" fmla="*/ 0 w 3255095"/>
+              <a:gd name="connsiteY11" fmla="*/ 0 h 18288"/>
+            </a:gdLst>
+            <a:ahLst/>
+            <a:cxnLst>
+              <a:cxn ang="0">
+                <a:pos x="connsiteX0" y="connsiteY0"/>
+              </a:cxn>
+              <a:cxn ang="0">
+                <a:pos x="connsiteX1" y="connsiteY1"/>
+              </a:cxn>
+              <a:cxn ang="0">
+                <a:pos x="connsiteX2" y="connsiteY2"/>
+              </a:cxn>
+              <a:cxn ang="0">
+                <a:pos x="connsiteX3" y="connsiteY3"/>
+              </a:cxn>
+              <a:cxn ang="0">
+                <a:pos x="connsiteX4" y="connsiteY4"/>
+              </a:cxn>
+              <a:cxn ang="0">
+                <a:pos x="connsiteX5" y="connsiteY5"/>
+              </a:cxn>
+              <a:cxn ang="0">
+                <a:pos x="connsiteX6" y="connsiteY6"/>
+              </a:cxn>
+              <a:cxn ang="0">
+                <a:pos x="connsiteX7" y="connsiteY7"/>
+              </a:cxn>
+              <a:cxn ang="0">
+                <a:pos x="connsiteX8" y="connsiteY8"/>
+              </a:cxn>
+              <a:cxn ang="0">
+                <a:pos x="connsiteX9" y="connsiteY9"/>
+              </a:cxn>
+              <a:cxn ang="0">
+                <a:pos x="connsiteX10" y="connsiteY10"/>
+              </a:cxn>
+              <a:cxn ang="0">
+                <a:pos x="connsiteX11" y="connsiteY11"/>
+              </a:cxn>
+            </a:cxnLst>
+            <a:rect l="l" t="t" r="r" b="b"/>
+            <a:pathLst>
+              <a:path w="3255095" h="18288" fill="none" extrusionOk="0">
+                <a:moveTo>
+                  <a:pt x="0" y="0"/>
+                </a:moveTo>
+                <a:cubicBezTo>
+                  <a:pt x="240201" y="-22123"/>
+                  <a:pt x="462021" y="-19623"/>
+                  <a:pt x="618468" y="0"/>
+                </a:cubicBezTo>
+                <a:cubicBezTo>
+                  <a:pt x="774915" y="19623"/>
+                  <a:pt x="974734" y="2035"/>
+                  <a:pt x="1269487" y="0"/>
+                </a:cubicBezTo>
+                <a:cubicBezTo>
+                  <a:pt x="1564240" y="-2035"/>
+                  <a:pt x="1733579" y="10639"/>
+                  <a:pt x="1953057" y="0"/>
+                </a:cubicBezTo>
+                <a:cubicBezTo>
+                  <a:pt x="2172535" y="-10639"/>
+                  <a:pt x="2453962" y="14018"/>
+                  <a:pt x="2636627" y="0"/>
+                </a:cubicBezTo>
+                <a:cubicBezTo>
+                  <a:pt x="2819292" y="-14018"/>
+                  <a:pt x="3121375" y="5399"/>
+                  <a:pt x="3255095" y="0"/>
+                </a:cubicBezTo>
+                <a:cubicBezTo>
+                  <a:pt x="3254386" y="8157"/>
+                  <a:pt x="3254682" y="12125"/>
+                  <a:pt x="3255095" y="18288"/>
+                </a:cubicBezTo>
+                <a:cubicBezTo>
+                  <a:pt x="3088545" y="23203"/>
+                  <a:pt x="2687475" y="7419"/>
+                  <a:pt x="2538974" y="18288"/>
+                </a:cubicBezTo>
+                <a:cubicBezTo>
+                  <a:pt x="2390473" y="29157"/>
+                  <a:pt x="2137381" y="-8959"/>
+                  <a:pt x="1822853" y="18288"/>
+                </a:cubicBezTo>
+                <a:cubicBezTo>
+                  <a:pt x="1508325" y="45535"/>
+                  <a:pt x="1466437" y="20385"/>
+                  <a:pt x="1171834" y="18288"/>
+                </a:cubicBezTo>
+                <a:cubicBezTo>
+                  <a:pt x="877231" y="16191"/>
+                  <a:pt x="561097" y="37643"/>
+                  <a:pt x="0" y="18288"/>
+                </a:cubicBezTo>
+                <a:cubicBezTo>
+                  <a:pt x="-46" y="12483"/>
+                  <a:pt x="-203" y="6491"/>
+                  <a:pt x="0" y="0"/>
+                </a:cubicBezTo>
+                <a:close/>
+              </a:path>
+              <a:path w="3255095" h="18288" stroke="0" extrusionOk="0">
+                <a:moveTo>
+                  <a:pt x="0" y="0"/>
+                </a:moveTo>
+                <a:cubicBezTo>
+                  <a:pt x="291965" y="19429"/>
+                  <a:pt x="363155" y="8568"/>
+                  <a:pt x="618468" y="0"/>
+                </a:cubicBezTo>
+                <a:cubicBezTo>
+                  <a:pt x="873781" y="-8568"/>
+                  <a:pt x="904459" y="-19505"/>
+                  <a:pt x="1171834" y="0"/>
+                </a:cubicBezTo>
+                <a:cubicBezTo>
+                  <a:pt x="1439209" y="19505"/>
+                  <a:pt x="1744369" y="9790"/>
+                  <a:pt x="1887955" y="0"/>
+                </a:cubicBezTo>
+                <a:cubicBezTo>
+                  <a:pt x="2031541" y="-9790"/>
+                  <a:pt x="2346378" y="21240"/>
+                  <a:pt x="2506423" y="0"/>
+                </a:cubicBezTo>
+                <a:cubicBezTo>
+                  <a:pt x="2666468" y="-21240"/>
+                  <a:pt x="2990257" y="30414"/>
+                  <a:pt x="3255095" y="0"/>
+                </a:cubicBezTo>
+                <a:cubicBezTo>
+                  <a:pt x="3254831" y="4493"/>
+                  <a:pt x="3255479" y="9472"/>
+                  <a:pt x="3255095" y="18288"/>
+                </a:cubicBezTo>
+                <a:cubicBezTo>
+                  <a:pt x="3120743" y="16690"/>
+                  <a:pt x="2759628" y="42462"/>
+                  <a:pt x="2604076" y="18288"/>
+                </a:cubicBezTo>
+                <a:cubicBezTo>
+                  <a:pt x="2448524" y="-5886"/>
+                  <a:pt x="2184336" y="19599"/>
+                  <a:pt x="1887955" y="18288"/>
+                </a:cubicBezTo>
+                <a:cubicBezTo>
+                  <a:pt x="1591574" y="16977"/>
+                  <a:pt x="1548845" y="6870"/>
+                  <a:pt x="1334589" y="18288"/>
+                </a:cubicBezTo>
+                <a:cubicBezTo>
+                  <a:pt x="1120333" y="29706"/>
+                  <a:pt x="996014" y="9662"/>
+                  <a:pt x="683570" y="18288"/>
+                </a:cubicBezTo>
+                <a:cubicBezTo>
+                  <a:pt x="371126" y="26914"/>
+                  <a:pt x="198687" y="16167"/>
+                  <a:pt x="0" y="18288"/>
+                </a:cubicBezTo>
+                <a:cubicBezTo>
+                  <a:pt x="843" y="9577"/>
+                  <a:pt x="371" y="6900"/>
+                  <a:pt x="0" y="0"/>
+                </a:cubicBezTo>
+                <a:close/>
+              </a:path>
+            </a:pathLst>
+          </a:custGeom>
+          <a:solidFill>
+            <a:schemeClr val="accent2"/>
+          </a:solidFill>
+          <a:ln w="38100" cap="rnd">
+            <a:solidFill>
+              <a:schemeClr val="accent2"/>
+            </a:solidFill>
+            <a:round/>
+            <a:extLst>
+              <a:ext uri="{C807C97D-BFC1-408E-A445-0C87EB9F89A2}">
+                <ask:lineSketchStyleProps xmlns:ask="http://schemas.microsoft.com/office/drawing/2018/sketchyshapes" sd="1219033472">
+                  <a:prstGeom prst="rect">
+                    <a:avLst/>
+                  </a:prstGeom>
+                  <ask:type>
+                    <ask:lineSketchFreehand/>
+                  </ask:type>
+                </ask:lineSketchStyleProps>
+              </a:ext>
+            </a:extLst>
+          </a:ln>
+        </p:spPr>
+        <p:style>
+          <a:lnRef idx="2">
+            <a:schemeClr val="accent1">
+              <a:shade val="50000"/>
+            </a:schemeClr>
+          </a:lnRef>
+          <a:fillRef idx="1">
+            <a:schemeClr val="accent1"/>
+          </a:fillRef>
+          <a:effectRef idx="0">
+            <a:schemeClr val="accent1"/>
+          </a:effectRef>
+          <a:fontRef idx="minor">
+            <a:schemeClr val="lt1"/>
+          </a:fontRef>
+        </p:style>
+        <p:txBody>
+          <a:bodyPr rtlCol="0" anchor="ctr"/>
+          <a:lstStyle/>
+          <a:p>
+            <a:pPr algn="ctr"/>
+            <a:endParaRPr lang="en-US"/>
+          </a:p>
+        </p:txBody>
+      </p:sp>
+      <p:pic>
+        <p:nvPicPr>
+          <p:cNvPr id="4" name="Picture 3">
+            <a:extLst>
+              <a:ext uri="{FF2B5EF4-FFF2-40B4-BE49-F238E27FC236}">
+                <a16:creationId xmlns:a16="http://schemas.microsoft.com/office/drawing/2014/main" id="{3C011C1F-E99B-08EC-07EB-BF4B98F35CB2}"/>
+              </a:ext>
+            </a:extLst>
+          </p:cNvPr>
+          <p:cNvPicPr>
+            <a:picLocks noChangeAspect="1"/>
+          </p:cNvPicPr>
+          <p:nvPr/>
+        </p:nvPicPr>
+        <p:blipFill>
+          <a:blip r:embed="rId2"/>
+          <a:stretch>
+            <a:fillRect/>
+          </a:stretch>
+        </p:blipFill>
+        <p:spPr>
+          <a:xfrm>
+            <a:off x="4654296" y="1791996"/>
+            <a:ext cx="7214616" cy="3246576"/>
+          </a:xfrm>
+          <a:prstGeom prst="rect">
+            <a:avLst/>
+          </a:prstGeom>
+        </p:spPr>
+      </p:pic>
     </p:spTree>
     <p:extLst>
       <p:ext uri="{BB962C8B-B14F-4D97-AF65-F5344CB8AC3E}">
-        <p14:creationId xmlns:p14="http://schemas.microsoft.com/office/powerpoint/2010/main" val="3183997707"/>
+        <p14:creationId xmlns:p14="http://schemas.microsoft.com/office/powerpoint/2010/main" val="2169497478"/>
       </p:ext>
     </p:extLst>
   </p:cSld>
@@ -4068,7 +5482,7 @@
           <p:cNvPr id="2" name="Title 1">
             <a:extLst>
               <a:ext uri="{FF2B5EF4-FFF2-40B4-BE49-F238E27FC236}">
-                <a16:creationId xmlns:a16="http://schemas.microsoft.com/office/drawing/2014/main" id="{C60DDFC4-D184-01AA-94C0-638AA1A0EABC}"/>
+                <a16:creationId xmlns:a16="http://schemas.microsoft.com/office/drawing/2014/main" id="{98ED8A4C-A2F2-7F55-09CD-FF7B12112188}"/>
               </a:ext>
             </a:extLst>
           </p:cNvPr>
@@ -4079,20 +5493,18 @@
             <p:ph type="title"/>
           </p:nvPr>
         </p:nvSpPr>
-        <p:spPr>
-          <a:xfrm>
-            <a:off x="857250" y="517525"/>
-            <a:ext cx="10515600" cy="1325563"/>
-          </a:xfrm>
-        </p:spPr>
+        <p:spPr/>
         <p:txBody>
           <a:bodyPr/>
           <a:lstStyle/>
           <a:p>
             <a:r>
-              <a:rPr lang="en-US" dirty="0" err="1"/>
-              <a:t>Propy</a:t>
-            </a:r>
+              <a:rPr lang="en-US" dirty="0"/>
+              <a:t>Type of chain and consensus</a:t>
+            </a:r>
+            <a:br>
+              <a:rPr lang="en-US" dirty="0"/>
+            </a:br>
             <a:endParaRPr lang="en-US" dirty="0"/>
           </a:p>
         </p:txBody>
@@ -4102,7 +5514,7 @@
           <p:cNvPr id="3" name="Content Placeholder 2">
             <a:extLst>
               <a:ext uri="{FF2B5EF4-FFF2-40B4-BE49-F238E27FC236}">
-                <a16:creationId xmlns:a16="http://schemas.microsoft.com/office/drawing/2014/main" id="{CC3A958C-C4D8-0646-677C-C9CE1C3AC854}"/>
+                <a16:creationId xmlns:a16="http://schemas.microsoft.com/office/drawing/2014/main" id="{7EDF6835-2FE3-8455-3385-342ABDEAE689}"/>
               </a:ext>
             </a:extLst>
           </p:cNvPr>
@@ -4113,82 +5525,127 @@
             <p:ph idx="1"/>
           </p:nvPr>
         </p:nvSpPr>
-        <p:spPr>
-          <a:xfrm>
-            <a:off x="847725" y="1825625"/>
-            <a:ext cx="10515600" cy="4351338"/>
-          </a:xfrm>
-        </p:spPr>
-        <p:txBody>
-          <a:bodyPr/>
+        <p:spPr/>
+        <p:txBody>
+          <a:bodyPr>
+            <a:normAutofit/>
+          </a:bodyPr>
           <a:lstStyle/>
           <a:p>
-            <a:endParaRPr lang="en-US" dirty="0"/>
-          </a:p>
-          <a:p>
-            <a:r>
-              <a:rPr lang="en-US" sz="3500" dirty="0">
+            <a:r>
+              <a:rPr lang="en-US" dirty="0"/>
+              <a:t>The purchase offer, payment, and deeds are uploaded to an </a:t>
+            </a:r>
+            <a:r>
+              <a:rPr lang="en-US" b="1" dirty="0"/>
+              <a:t>immutable blockchain</a:t>
+            </a:r>
+          </a:p>
+          <a:p>
+            <a:r>
+              <a:rPr lang="en-US" b="1" dirty="0" err="1">
                 <a:highlight>
                   <a:srgbClr val="FFFF00"/>
                 </a:highlight>
               </a:rPr>
-              <a:t>The native token of the platform is </a:t>
-            </a:r>
-            <a:r>
-              <a:rPr lang="en-US" sz="3500" b="1" dirty="0">
+              <a:t>Propy</a:t>
+            </a:r>
+            <a:r>
+              <a:rPr lang="en-US" dirty="0">
                 <a:highlight>
                   <a:srgbClr val="FFFF00"/>
                 </a:highlight>
               </a:rPr>
-              <a:t>PRO</a:t>
-            </a:r>
-            <a:r>
-              <a:rPr lang="en-US" sz="3500" dirty="0">
-                <a:highlight>
-                  <a:srgbClr val="FFFF00"/>
-                </a:highlight>
-              </a:rPr>
-              <a:t>,</a:t>
-            </a:r>
-            <a:r>
-              <a:rPr lang="en-US" sz="3500" dirty="0"/>
-              <a:t> an ERC20 token </a:t>
+              <a:t> operates on the Ethereum platform </a:t>
+            </a:r>
+            <a:r>
+              <a:rPr lang="en-US" dirty="0"/>
+              <a:t>and is built on the </a:t>
+            </a:r>
+            <a:r>
+              <a:rPr lang="en-US" b="1" dirty="0"/>
+              <a:t>ERC721</a:t>
+            </a:r>
+            <a:r>
+              <a:rPr lang="en-US" dirty="0"/>
+              <a:t> (NFT standard for unique tokens on Ethereum) token standard, allowing it to integrate with users' wallets.</a:t>
             </a:r>
           </a:p>
           <a:p>
             <a:pPr marL="0" indent="0">
               <a:buNone/>
             </a:pPr>
-            <a:endParaRPr lang="en-US" sz="3500" dirty="0"/>
-          </a:p>
-          <a:p>
-            <a:r>
-              <a:rPr lang="en-US" sz="3500" dirty="0"/>
-              <a:t>Used for: </a:t>
-            </a:r>
-            <a:r>
-              <a:rPr lang="en-US" sz="3500" b="1" dirty="0"/>
-              <a:t>creation</a:t>
-            </a:r>
-            <a:r>
-              <a:rPr lang="en-US" sz="3500" dirty="0"/>
-              <a:t> of a new title or </a:t>
-            </a:r>
-            <a:r>
-              <a:rPr lang="en-US" sz="3500" b="1" dirty="0"/>
-              <a:t>transferring</a:t>
-            </a:r>
-            <a:r>
-              <a:rPr lang="en-US" sz="3500" dirty="0"/>
-              <a:t> an existing title.</a:t>
-            </a:r>
-          </a:p>
-        </p:txBody>
-      </p:sp>
+            <a:endParaRPr lang="en-US" sz="1200" b="1" dirty="0"/>
+          </a:p>
+          <a:p>
+            <a:pPr marL="0" indent="0">
+              <a:buNone/>
+            </a:pPr>
+            <a:endParaRPr lang="en-US" sz="1200" b="1" dirty="0"/>
+          </a:p>
+          <a:p>
+            <a:pPr marL="0" indent="0">
+              <a:buNone/>
+            </a:pPr>
+            <a:endParaRPr lang="en-US" sz="1200" b="1" dirty="0"/>
+          </a:p>
+          <a:p>
+            <a:pPr marL="0" indent="0">
+              <a:buNone/>
+            </a:pPr>
+            <a:endParaRPr lang="en-US" sz="1200" b="1" dirty="0"/>
+          </a:p>
+          <a:p>
+            <a:pPr marL="0" indent="0">
+              <a:buNone/>
+            </a:pPr>
+            <a:r>
+              <a:rPr lang="en-US" sz="1200" b="1" dirty="0"/>
+              <a:t>*https://cryptoslate.com/coins/propy/</a:t>
+            </a:r>
+          </a:p>
+          <a:p>
+            <a:pPr marL="0" indent="0">
+              <a:buNone/>
+            </a:pPr>
+            <a:endParaRPr lang="en-US" b="1" dirty="0"/>
+          </a:p>
+        </p:txBody>
+      </p:sp>
+      <p:pic>
+        <p:nvPicPr>
+          <p:cNvPr id="5" name="Picture 4">
+            <a:extLst>
+              <a:ext uri="{FF2B5EF4-FFF2-40B4-BE49-F238E27FC236}">
+                <a16:creationId xmlns:a16="http://schemas.microsoft.com/office/drawing/2014/main" id="{DA307BF3-873D-BD8E-095B-928925AE4257}"/>
+              </a:ext>
+            </a:extLst>
+          </p:cNvPr>
+          <p:cNvPicPr>
+            <a:picLocks noChangeAspect="1"/>
+          </p:cNvPicPr>
+          <p:nvPr/>
+        </p:nvPicPr>
+        <p:blipFill>
+          <a:blip r:embed="rId2"/>
+          <a:stretch>
+            <a:fillRect/>
+          </a:stretch>
+        </p:blipFill>
+        <p:spPr>
+          <a:xfrm>
+            <a:off x="309508" y="4001294"/>
+            <a:ext cx="11572983" cy="1188947"/>
+          </a:xfrm>
+          <a:prstGeom prst="rect">
+            <a:avLst/>
+          </a:prstGeom>
+        </p:spPr>
+      </p:pic>
     </p:spTree>
     <p:extLst>
       <p:ext uri="{BB962C8B-B14F-4D97-AF65-F5344CB8AC3E}">
-        <p14:creationId xmlns:p14="http://schemas.microsoft.com/office/powerpoint/2010/main" val="2671813442"/>
+        <p14:creationId xmlns:p14="http://schemas.microsoft.com/office/powerpoint/2010/main" val="3183997707"/>
       </p:ext>
     </p:extLst>
   </p:cSld>
@@ -4201,6 +5658,14 @@
 <file path=ppt/slides/slide6.xml><?xml version="1.0" encoding="utf-8"?>
 <p:sld xmlns:a="http://schemas.openxmlformats.org/drawingml/2006/main" xmlns:r="http://schemas.openxmlformats.org/officeDocument/2006/relationships" xmlns:p="http://schemas.openxmlformats.org/presentationml/2006/main">
   <p:cSld>
+    <p:bg>
+      <p:bgPr>
+        <a:solidFill>
+          <a:schemeClr val="bg1"/>
+        </a:solidFill>
+        <a:effectLst/>
+      </p:bgPr>
+    </p:bg>
     <p:spTree>
       <p:nvGrpSpPr>
         <p:cNvPr id="1" name=""/>
@@ -4220,7 +5685,7 @@
           <p:cNvPr id="2" name="Title 1">
             <a:extLst>
               <a:ext uri="{FF2B5EF4-FFF2-40B4-BE49-F238E27FC236}">
-                <a16:creationId xmlns:a16="http://schemas.microsoft.com/office/drawing/2014/main" id="{94F7BC24-49EC-0D1A-F96F-9A9856E5D738}"/>
+                <a16:creationId xmlns:a16="http://schemas.microsoft.com/office/drawing/2014/main" id="{C60DDFC4-D184-01AA-94C0-638AA1A0EABC}"/>
               </a:ext>
             </a:extLst>
           </p:cNvPr>
@@ -4233,111 +5698,937 @@
         </p:nvSpPr>
         <p:spPr>
           <a:xfrm>
-            <a:off x="838200" y="384175"/>
-            <a:ext cx="10515600" cy="1325563"/>
+            <a:off x="1913468" y="365125"/>
+            <a:ext cx="9440332" cy="1325563"/>
           </a:xfrm>
         </p:spPr>
         <p:txBody>
-          <a:bodyPr/>
+          <a:bodyPr>
+            <a:normAutofit/>
+          </a:bodyPr>
           <a:lstStyle/>
           <a:p>
             <a:r>
-              <a:rPr lang="en-US" b="1" dirty="0" err="1"/>
+              <a:rPr lang="en-US" sz="5400"/>
               <a:t>Propy</a:t>
             </a:r>
-            <a:r>
-              <a:rPr lang="en-US" b="1" dirty="0"/>
-              <a:t>:</a:t>
-            </a:r>
-            <a:r>
-              <a:rPr lang="en-US" dirty="0"/>
-              <a:t> blockchain-based title registry system.</a:t>
-            </a:r>
-          </a:p>
-        </p:txBody>
-      </p:sp>
-      <p:sp>
-        <p:nvSpPr>
-          <p:cNvPr id="3" name="Content Placeholder 2">
-            <a:extLst>
-              <a:ext uri="{FF2B5EF4-FFF2-40B4-BE49-F238E27FC236}">
-                <a16:creationId xmlns:a16="http://schemas.microsoft.com/office/drawing/2014/main" id="{A5444709-E836-428B-3F8D-1D0B42839F84}"/>
-              </a:ext>
-            </a:extLst>
-          </p:cNvPr>
-          <p:cNvSpPr>
-            <a:spLocks noGrp="1"/>
-          </p:cNvSpPr>
-          <p:nvPr>
-            <p:ph idx="1"/>
+          </a:p>
+        </p:txBody>
+      </p:sp>
+      <p:sp>
+        <p:nvSpPr>
+          <p:cNvPr id="14" name="Rectangle 9">
+            <a:extLst>
+              <a:ext uri="{FF2B5EF4-FFF2-40B4-BE49-F238E27FC236}">
+                <a16:creationId xmlns:a16="http://schemas.microsoft.com/office/drawing/2014/main" id="{FF0330B1-AAAC-427D-8A95-40380162BC65}"/>
+              </a:ext>
+              <a:ext uri="{C183D7F6-B498-43B3-948B-1728B52AA6E4}">
+                <adec:decorative xmlns:adec="http://schemas.microsoft.com/office/drawing/2017/decorative" val="1"/>
+              </a:ext>
+            </a:extLst>
+          </p:cNvPr>
+          <p:cNvSpPr>
+            <a:spLocks noGrp="1" noRot="1" noChangeAspect="1" noMove="1" noResize="1" noEditPoints="1" noAdjustHandles="1" noChangeArrowheads="1" noChangeShapeType="1" noTextEdit="1"/>
+          </p:cNvSpPr>
+          <p:nvPr>
+            <p:extLst>
+              <p:ext uri="{386F3935-93C4-4BCD-93E2-E3B085C9AB24}">
+                <p16:designElem xmlns:p16="http://schemas.microsoft.com/office/powerpoint/2015/main" val="1"/>
+              </p:ext>
+            </p:extLst>
           </p:nvPr>
         </p:nvSpPr>
         <p:spPr>
           <a:xfrm>
-            <a:off x="809625" y="1787525"/>
+            <a:off x="0" y="0"/>
+            <a:ext cx="126124" cy="6858000"/>
+          </a:xfrm>
+          <a:prstGeom prst="rect">
+            <a:avLst/>
+          </a:prstGeom>
+          <a:solidFill>
+            <a:srgbClr val="4472C4"/>
+          </a:solidFill>
+          <a:ln w="12700" cap="flat" cmpd="sng" algn="ctr">
+            <a:noFill/>
+            <a:prstDash val="solid"/>
+            <a:miter lim="800000"/>
+          </a:ln>
+          <a:effectLst/>
+        </p:spPr>
+        <p:txBody>
+          <a:bodyPr rtlCol="0" anchor="ctr"/>
+          <a:lstStyle/>
+          <a:p>
+            <a:pPr marL="0" marR="0" lvl="0" indent="0" algn="ctr" defTabSz="914400" eaLnBrk="1" fontAlgn="auto" latinLnBrk="0" hangingPunct="1">
+              <a:lnSpc>
+                <a:spcPct val="100000"/>
+              </a:lnSpc>
+              <a:spcBef>
+                <a:spcPts val="0"/>
+              </a:spcBef>
+              <a:spcAft>
+                <a:spcPts val="0"/>
+              </a:spcAft>
+              <a:buClrTx/>
+              <a:buSzTx/>
+              <a:buFontTx/>
+              <a:buNone/>
+              <a:tabLst/>
+              <a:defRPr/>
+            </a:pPr>
+            <a:endParaRPr kumimoji="0" lang="en-US" sz="1800" b="0" i="0" u="none" strike="noStrike" kern="0" cap="none" spc="0" normalizeH="0" baseline="0" noProof="0">
+              <a:ln>
+                <a:noFill/>
+              </a:ln>
+              <a:solidFill>
+                <a:prstClr val="white"/>
+              </a:solidFill>
+              <a:effectLst/>
+              <a:uLnTx/>
+              <a:uFillTx/>
+              <a:latin typeface="Calibri" panose="020F0502020204030204"/>
+              <a:ea typeface="+mn-ea"/>
+              <a:cs typeface="+mn-cs"/>
+            </a:endParaRPr>
+          </a:p>
+        </p:txBody>
+      </p:sp>
+      <p:pic>
+        <p:nvPicPr>
+          <p:cNvPr id="15" name="Graphic 6" descr="User">
+            <a:extLst>
+              <a:ext uri="{FF2B5EF4-FFF2-40B4-BE49-F238E27FC236}">
+                <a16:creationId xmlns:a16="http://schemas.microsoft.com/office/drawing/2014/main" id="{EE76BAAF-CC60-F6B0-7279-94DEFF62E5B4}"/>
+              </a:ext>
+            </a:extLst>
+          </p:cNvPr>
+          <p:cNvPicPr>
+            <a:picLocks noChangeAspect="1"/>
+          </p:cNvPicPr>
+          <p:nvPr/>
+        </p:nvPicPr>
+        <p:blipFill>
+          <a:blip r:embed="rId2">
+            <a:extLst>
+              <a:ext uri="{28A0092B-C50C-407E-A947-70E740481C1C}">
+                <a14:useLocalDpi xmlns:a14="http://schemas.microsoft.com/office/drawing/2010/main" val="0"/>
+              </a:ext>
+              <a:ext uri="{96DAC541-7B7A-43D3-8B79-37D633B846F1}">
+                <asvg:svgBlip xmlns:asvg="http://schemas.microsoft.com/office/drawing/2016/SVG/main" r:embed="rId3"/>
+              </a:ext>
+            </a:extLst>
+          </a:blip>
+          <a:stretch>
+            <a:fillRect/>
+          </a:stretch>
+        </p:blipFill>
+        <p:spPr>
+          <a:xfrm>
+            <a:off x="838200" y="570706"/>
+            <a:ext cx="914400" cy="914400"/>
+          </a:xfrm>
+          <a:prstGeom prst="rect">
+            <a:avLst/>
+          </a:prstGeom>
+        </p:spPr>
+      </p:pic>
+      <p:sp>
+        <p:nvSpPr>
+          <p:cNvPr id="3" name="Content Placeholder 2">
+            <a:extLst>
+              <a:ext uri="{FF2B5EF4-FFF2-40B4-BE49-F238E27FC236}">
+                <a16:creationId xmlns:a16="http://schemas.microsoft.com/office/drawing/2014/main" id="{CC3A958C-C4D8-0646-677C-C9CE1C3AC854}"/>
+              </a:ext>
+            </a:extLst>
+          </p:cNvPr>
+          <p:cNvSpPr>
+            <a:spLocks noGrp="1"/>
+          </p:cNvSpPr>
+          <p:nvPr>
+            <p:ph idx="1"/>
+          </p:nvPr>
+        </p:nvSpPr>
+        <p:spPr>
+          <a:xfrm>
+            <a:off x="838200" y="1825625"/>
             <a:ext cx="10515600" cy="4351338"/>
           </a:xfrm>
         </p:spPr>
         <p:txBody>
           <a:bodyPr>
-            <a:normAutofit lnSpcReduction="10000"/>
+            <a:normAutofit/>
           </a:bodyPr>
           <a:lstStyle/>
           <a:p>
-            <a:endParaRPr lang="en-US" dirty="0"/>
-          </a:p>
-          <a:p>
-            <a:r>
-              <a:rPr lang="en-US" dirty="0"/>
-              <a:t>Is there an API or SDK?</a:t>
-            </a:r>
-          </a:p>
-          <a:p>
-            <a:endParaRPr lang="en-US" dirty="0"/>
-          </a:p>
-          <a:p>
-            <a:r>
-              <a:rPr lang="en-US" dirty="0"/>
+            <a:endParaRPr lang="en-US"/>
+          </a:p>
+          <a:p>
+            <a:r>
+              <a:rPr lang="en-US">
+                <a:highlight>
+                  <a:srgbClr val="FFFF00"/>
+                </a:highlight>
+              </a:rPr>
+              <a:t>The native token of the platform is </a:t>
+            </a:r>
+            <a:r>
+              <a:rPr lang="en-US" b="1">
+                <a:highlight>
+                  <a:srgbClr val="FFFF00"/>
+                </a:highlight>
+              </a:rPr>
+              <a:t>PRO</a:t>
+            </a:r>
+            <a:r>
+              <a:rPr lang="en-US">
+                <a:highlight>
+                  <a:srgbClr val="FFFF00"/>
+                </a:highlight>
+              </a:rPr>
+              <a:t>,</a:t>
+            </a:r>
+            <a:r>
+              <a:rPr lang="en-US"/>
+              <a:t> an ERC20 token </a:t>
+            </a:r>
+          </a:p>
+          <a:p>
+            <a:r>
+              <a:rPr lang="en-US"/>
+              <a:t>Used for: </a:t>
+            </a:r>
+            <a:r>
+              <a:rPr lang="en-US" b="1"/>
+              <a:t>creation</a:t>
+            </a:r>
+            <a:r>
+              <a:rPr lang="en-US"/>
+              <a:t> of a new title or </a:t>
+            </a:r>
+            <a:r>
+              <a:rPr lang="en-US" b="1"/>
+              <a:t>transferring</a:t>
+            </a:r>
+            <a:r>
+              <a:rPr lang="en-US"/>
+              <a:t> an existing title</a:t>
+            </a:r>
+          </a:p>
+          <a:p>
+            <a:r>
+              <a:rPr lang="en-US" b="1" err="1"/>
+              <a:t>Propy</a:t>
+            </a:r>
+            <a:r>
+              <a:rPr lang="en-US" b="1"/>
+              <a:t> use API</a:t>
+            </a:r>
+            <a:r>
+              <a:rPr lang="en-US"/>
+              <a:t> to interact directly with the smart contracts</a:t>
+            </a:r>
+          </a:p>
+          <a:p>
+            <a:endParaRPr lang="en-US"/>
+          </a:p>
+        </p:txBody>
+      </p:sp>
+    </p:spTree>
+    <p:extLst>
+      <p:ext uri="{BB962C8B-B14F-4D97-AF65-F5344CB8AC3E}">
+        <p14:creationId xmlns:p14="http://schemas.microsoft.com/office/powerpoint/2010/main" val="2671813442"/>
+      </p:ext>
+    </p:extLst>
+  </p:cSld>
+  <p:clrMapOvr>
+    <a:masterClrMapping/>
+  </p:clrMapOvr>
+</p:sld>
+</file>
+
+<file path=ppt/slides/slide7.xml><?xml version="1.0" encoding="utf-8"?>
+<p:sld xmlns:a="http://schemas.openxmlformats.org/drawingml/2006/main" xmlns:r="http://schemas.openxmlformats.org/officeDocument/2006/relationships" xmlns:p="http://schemas.openxmlformats.org/presentationml/2006/main">
+  <p:cSld>
+    <p:bg>
+      <p:bgPr>
+        <a:solidFill>
+          <a:schemeClr val="bg1"/>
+        </a:solidFill>
+        <a:effectLst/>
+      </p:bgPr>
+    </p:bg>
+    <p:spTree>
+      <p:nvGrpSpPr>
+        <p:cNvPr id="1" name=""/>
+        <p:cNvGrpSpPr/>
+        <p:nvPr/>
+      </p:nvGrpSpPr>
+      <p:grpSpPr>
+        <a:xfrm>
+          <a:off x="0" y="0"/>
+          <a:ext cx="0" cy="0"/>
+          <a:chOff x="0" y="0"/>
+          <a:chExt cx="0" cy="0"/>
+        </a:xfrm>
+      </p:grpSpPr>
+      <p:sp useBgFill="1">
+        <p:nvSpPr>
+          <p:cNvPr id="10" name="Rectangle 9">
+            <a:extLst>
+              <a:ext uri="{FF2B5EF4-FFF2-40B4-BE49-F238E27FC236}">
+                <a16:creationId xmlns:a16="http://schemas.microsoft.com/office/drawing/2014/main" id="{F13C74B1-5B17-4795-BED0-7140497B445A}"/>
+              </a:ext>
+              <a:ext uri="{C183D7F6-B498-43B3-948B-1728B52AA6E4}">
+                <adec:decorative xmlns:adec="http://schemas.microsoft.com/office/drawing/2017/decorative" val="1"/>
+              </a:ext>
+            </a:extLst>
+          </p:cNvPr>
+          <p:cNvSpPr>
+            <a:spLocks noGrp="1" noRot="1" noChangeAspect="1" noMove="1" noResize="1" noEditPoints="1" noAdjustHandles="1" noChangeArrowheads="1" noChangeShapeType="1" noTextEdit="1"/>
+          </p:cNvSpPr>
+          <p:nvPr>
+            <p:extLst>
+              <p:ext uri="{386F3935-93C4-4BCD-93E2-E3B085C9AB24}">
+                <p16:designElem xmlns:p16="http://schemas.microsoft.com/office/powerpoint/2015/main" val="1"/>
+              </p:ext>
+            </p:extLst>
+          </p:nvPr>
+        </p:nvSpPr>
+        <p:spPr>
+          <a:xfrm>
+            <a:off x="0" y="0"/>
+            <a:ext cx="12188952" cy="6858000"/>
+          </a:xfrm>
+          <a:prstGeom prst="rect">
+            <a:avLst/>
+          </a:prstGeom>
+          <a:ln>
+            <a:noFill/>
+          </a:ln>
+        </p:spPr>
+        <p:style>
+          <a:lnRef idx="2">
+            <a:schemeClr val="accent1">
+              <a:shade val="50000"/>
+            </a:schemeClr>
+          </a:lnRef>
+          <a:fillRef idx="1">
+            <a:schemeClr val="accent1"/>
+          </a:fillRef>
+          <a:effectRef idx="0">
+            <a:schemeClr val="accent1"/>
+          </a:effectRef>
+          <a:fontRef idx="minor">
+            <a:schemeClr val="lt1"/>
+          </a:fontRef>
+        </p:style>
+        <p:txBody>
+          <a:bodyPr rtlCol="0" anchor="ctr"/>
+          <a:lstStyle/>
+          <a:p>
+            <a:pPr algn="ctr"/>
+            <a:endParaRPr lang="en-US"/>
+          </a:p>
+        </p:txBody>
+      </p:sp>
+      <p:sp>
+        <p:nvSpPr>
+          <p:cNvPr id="2" name="Title 1">
+            <a:extLst>
+              <a:ext uri="{FF2B5EF4-FFF2-40B4-BE49-F238E27FC236}">
+                <a16:creationId xmlns:a16="http://schemas.microsoft.com/office/drawing/2014/main" id="{94F7BC24-49EC-0D1A-F96F-9A9856E5D738}"/>
+              </a:ext>
+            </a:extLst>
+          </p:cNvPr>
+          <p:cNvSpPr>
+            <a:spLocks noGrp="1"/>
+          </p:cNvSpPr>
+          <p:nvPr>
+            <p:ph type="title"/>
+          </p:nvPr>
+        </p:nvSpPr>
+        <p:spPr>
+          <a:xfrm>
+            <a:off x="640080" y="325369"/>
+            <a:ext cx="4368602" cy="1956841"/>
+          </a:xfrm>
+        </p:spPr>
+        <p:txBody>
+          <a:bodyPr anchor="b">
+            <a:normAutofit/>
+          </a:bodyPr>
+          <a:lstStyle/>
+          <a:p>
+            <a:r>
+              <a:rPr lang="en-US" sz="4200" b="1"/>
+              <a:t>Propy:</a:t>
+            </a:r>
+            <a:r>
+              <a:rPr lang="en-US" sz="4200"/>
+              <a:t> blockchain-based title registry system.</a:t>
+            </a:r>
+          </a:p>
+        </p:txBody>
+      </p:sp>
+      <p:sp>
+        <p:nvSpPr>
+          <p:cNvPr id="12" name="sketchy line">
+            <a:extLst>
+              <a:ext uri="{FF2B5EF4-FFF2-40B4-BE49-F238E27FC236}">
+                <a16:creationId xmlns:a16="http://schemas.microsoft.com/office/drawing/2014/main" id="{D4974D33-8DC5-464E-8C6D-BE58F0669C17}"/>
+              </a:ext>
+              <a:ext uri="{C183D7F6-B498-43B3-948B-1728B52AA6E4}">
+                <adec:decorative xmlns:adec="http://schemas.microsoft.com/office/drawing/2017/decorative" val="1"/>
+              </a:ext>
+            </a:extLst>
+          </p:cNvPr>
+          <p:cNvSpPr>
+            <a:spLocks noGrp="1" noRot="1" noChangeAspect="1" noMove="1" noResize="1" noEditPoints="1" noAdjustHandles="1" noChangeArrowheads="1" noChangeShapeType="1" noTextEdit="1"/>
+          </p:cNvSpPr>
+          <p:nvPr>
+            <p:extLst>
+              <p:ext uri="{386F3935-93C4-4BCD-93E2-E3B085C9AB24}">
+                <p16:designElem xmlns:p16="http://schemas.microsoft.com/office/powerpoint/2015/main" val="1"/>
+              </p:ext>
+            </p:extLst>
+          </p:nvPr>
+        </p:nvSpPr>
+        <p:spPr>
+          <a:xfrm>
+            <a:off x="640080" y="2586994"/>
+            <a:ext cx="3474720" cy="18288"/>
+          </a:xfrm>
+          <a:custGeom>
+            <a:avLst/>
+            <a:gdLst>
+              <a:gd name="connsiteX0" fmla="*/ 0 w 3474720"/>
+              <a:gd name="connsiteY0" fmla="*/ 0 h 18288"/>
+              <a:gd name="connsiteX1" fmla="*/ 694944 w 3474720"/>
+              <a:gd name="connsiteY1" fmla="*/ 0 h 18288"/>
+              <a:gd name="connsiteX2" fmla="*/ 1355141 w 3474720"/>
+              <a:gd name="connsiteY2" fmla="*/ 0 h 18288"/>
+              <a:gd name="connsiteX3" fmla="*/ 2015338 w 3474720"/>
+              <a:gd name="connsiteY3" fmla="*/ 0 h 18288"/>
+              <a:gd name="connsiteX4" fmla="*/ 2779776 w 3474720"/>
+              <a:gd name="connsiteY4" fmla="*/ 0 h 18288"/>
+              <a:gd name="connsiteX5" fmla="*/ 3474720 w 3474720"/>
+              <a:gd name="connsiteY5" fmla="*/ 0 h 18288"/>
+              <a:gd name="connsiteX6" fmla="*/ 3474720 w 3474720"/>
+              <a:gd name="connsiteY6" fmla="*/ 18288 h 18288"/>
+              <a:gd name="connsiteX7" fmla="*/ 2779776 w 3474720"/>
+              <a:gd name="connsiteY7" fmla="*/ 18288 h 18288"/>
+              <a:gd name="connsiteX8" fmla="*/ 2189074 w 3474720"/>
+              <a:gd name="connsiteY8" fmla="*/ 18288 h 18288"/>
+              <a:gd name="connsiteX9" fmla="*/ 1528877 w 3474720"/>
+              <a:gd name="connsiteY9" fmla="*/ 18288 h 18288"/>
+              <a:gd name="connsiteX10" fmla="*/ 868680 w 3474720"/>
+              <a:gd name="connsiteY10" fmla="*/ 18288 h 18288"/>
+              <a:gd name="connsiteX11" fmla="*/ 0 w 3474720"/>
+              <a:gd name="connsiteY11" fmla="*/ 18288 h 18288"/>
+              <a:gd name="connsiteX12" fmla="*/ 0 w 3474720"/>
+              <a:gd name="connsiteY12" fmla="*/ 0 h 18288"/>
+            </a:gdLst>
+            <a:ahLst/>
+            <a:cxnLst>
+              <a:cxn ang="0">
+                <a:pos x="connsiteX0" y="connsiteY0"/>
+              </a:cxn>
+              <a:cxn ang="0">
+                <a:pos x="connsiteX1" y="connsiteY1"/>
+              </a:cxn>
+              <a:cxn ang="0">
+                <a:pos x="connsiteX2" y="connsiteY2"/>
+              </a:cxn>
+              <a:cxn ang="0">
+                <a:pos x="connsiteX3" y="connsiteY3"/>
+              </a:cxn>
+              <a:cxn ang="0">
+                <a:pos x="connsiteX4" y="connsiteY4"/>
+              </a:cxn>
+              <a:cxn ang="0">
+                <a:pos x="connsiteX5" y="connsiteY5"/>
+              </a:cxn>
+              <a:cxn ang="0">
+                <a:pos x="connsiteX6" y="connsiteY6"/>
+              </a:cxn>
+              <a:cxn ang="0">
+                <a:pos x="connsiteX7" y="connsiteY7"/>
+              </a:cxn>
+              <a:cxn ang="0">
+                <a:pos x="connsiteX8" y="connsiteY8"/>
+              </a:cxn>
+              <a:cxn ang="0">
+                <a:pos x="connsiteX9" y="connsiteY9"/>
+              </a:cxn>
+              <a:cxn ang="0">
+                <a:pos x="connsiteX10" y="connsiteY10"/>
+              </a:cxn>
+              <a:cxn ang="0">
+                <a:pos x="connsiteX11" y="connsiteY11"/>
+              </a:cxn>
+              <a:cxn ang="0">
+                <a:pos x="connsiteX12" y="connsiteY12"/>
+              </a:cxn>
+            </a:cxnLst>
+            <a:rect l="l" t="t" r="r" b="b"/>
+            <a:pathLst>
+              <a:path w="3474720" h="18288" fill="none" extrusionOk="0">
+                <a:moveTo>
+                  <a:pt x="0" y="0"/>
+                </a:moveTo>
+                <a:cubicBezTo>
+                  <a:pt x="224454" y="-14544"/>
+                  <a:pt x="495407" y="26540"/>
+                  <a:pt x="694944" y="0"/>
+                </a:cubicBezTo>
+                <a:cubicBezTo>
+                  <a:pt x="894481" y="-26540"/>
+                  <a:pt x="1130063" y="24713"/>
+                  <a:pt x="1355141" y="0"/>
+                </a:cubicBezTo>
+                <a:cubicBezTo>
+                  <a:pt x="1580219" y="-24713"/>
+                  <a:pt x="1820099" y="26695"/>
+                  <a:pt x="2015338" y="0"/>
+                </a:cubicBezTo>
+                <a:cubicBezTo>
+                  <a:pt x="2210577" y="-26695"/>
+                  <a:pt x="2402045" y="165"/>
+                  <a:pt x="2779776" y="0"/>
+                </a:cubicBezTo>
+                <a:cubicBezTo>
+                  <a:pt x="3157507" y="-165"/>
+                  <a:pt x="3286859" y="-15571"/>
+                  <a:pt x="3474720" y="0"/>
+                </a:cubicBezTo>
+                <a:cubicBezTo>
+                  <a:pt x="3474286" y="7551"/>
+                  <a:pt x="3474253" y="9822"/>
+                  <a:pt x="3474720" y="18288"/>
+                </a:cubicBezTo>
+                <a:cubicBezTo>
+                  <a:pt x="3233904" y="29845"/>
+                  <a:pt x="2945134" y="-5256"/>
+                  <a:pt x="2779776" y="18288"/>
+                </a:cubicBezTo>
+                <a:cubicBezTo>
+                  <a:pt x="2614418" y="41832"/>
+                  <a:pt x="2339768" y="22709"/>
+                  <a:pt x="2189074" y="18288"/>
+                </a:cubicBezTo>
+                <a:cubicBezTo>
+                  <a:pt x="2038380" y="13867"/>
+                  <a:pt x="1817434" y="-4947"/>
+                  <a:pt x="1528877" y="18288"/>
+                </a:cubicBezTo>
+                <a:cubicBezTo>
+                  <a:pt x="1240320" y="41523"/>
+                  <a:pt x="1042447" y="37198"/>
+                  <a:pt x="868680" y="18288"/>
+                </a:cubicBezTo>
+                <a:cubicBezTo>
+                  <a:pt x="694913" y="-622"/>
+                  <a:pt x="233232" y="44909"/>
+                  <a:pt x="0" y="18288"/>
+                </a:cubicBezTo>
+                <a:cubicBezTo>
+                  <a:pt x="60" y="11696"/>
+                  <a:pt x="66" y="3758"/>
+                  <a:pt x="0" y="0"/>
+                </a:cubicBezTo>
+                <a:close/>
+              </a:path>
+              <a:path w="3474720" h="18288" stroke="0" extrusionOk="0">
+                <a:moveTo>
+                  <a:pt x="0" y="0"/>
+                </a:moveTo>
+                <a:cubicBezTo>
+                  <a:pt x="202328" y="-14716"/>
+                  <a:pt x="332722" y="-11499"/>
+                  <a:pt x="625450" y="0"/>
+                </a:cubicBezTo>
+                <a:cubicBezTo>
+                  <a:pt x="918178" y="11499"/>
+                  <a:pt x="1096688" y="5123"/>
+                  <a:pt x="1389888" y="0"/>
+                </a:cubicBezTo>
+                <a:cubicBezTo>
+                  <a:pt x="1683088" y="-5123"/>
+                  <a:pt x="1835981" y="-14038"/>
+                  <a:pt x="1980590" y="0"/>
+                </a:cubicBezTo>
+                <a:cubicBezTo>
+                  <a:pt x="2125199" y="14038"/>
+                  <a:pt x="2396099" y="-7203"/>
+                  <a:pt x="2571293" y="0"/>
+                </a:cubicBezTo>
+                <a:cubicBezTo>
+                  <a:pt x="2746487" y="7203"/>
+                  <a:pt x="3041609" y="-12036"/>
+                  <a:pt x="3474720" y="0"/>
+                </a:cubicBezTo>
+                <a:cubicBezTo>
+                  <a:pt x="3474638" y="4406"/>
+                  <a:pt x="3474631" y="9982"/>
+                  <a:pt x="3474720" y="18288"/>
+                </a:cubicBezTo>
+                <a:cubicBezTo>
+                  <a:pt x="3324873" y="21876"/>
+                  <a:pt x="3136771" y="12587"/>
+                  <a:pt x="2814523" y="18288"/>
+                </a:cubicBezTo>
+                <a:cubicBezTo>
+                  <a:pt x="2492275" y="23989"/>
+                  <a:pt x="2294402" y="47111"/>
+                  <a:pt x="2154326" y="18288"/>
+                </a:cubicBezTo>
+                <a:cubicBezTo>
+                  <a:pt x="2014250" y="-10535"/>
+                  <a:pt x="1820317" y="33903"/>
+                  <a:pt x="1494130" y="18288"/>
+                </a:cubicBezTo>
+                <a:cubicBezTo>
+                  <a:pt x="1167943" y="2673"/>
+                  <a:pt x="948432" y="14868"/>
+                  <a:pt x="729691" y="18288"/>
+                </a:cubicBezTo>
+                <a:cubicBezTo>
+                  <a:pt x="510950" y="21708"/>
+                  <a:pt x="264032" y="24354"/>
+                  <a:pt x="0" y="18288"/>
+                </a:cubicBezTo>
+                <a:cubicBezTo>
+                  <a:pt x="189" y="14288"/>
+                  <a:pt x="-703" y="3747"/>
+                  <a:pt x="0" y="0"/>
+                </a:cubicBezTo>
+                <a:close/>
+              </a:path>
+            </a:pathLst>
+          </a:custGeom>
+          <a:solidFill>
+            <a:schemeClr val="accent2"/>
+          </a:solidFill>
+          <a:ln w="44450" cap="rnd">
+            <a:solidFill>
+              <a:schemeClr val="accent2"/>
+            </a:solidFill>
+            <a:round/>
+            <a:extLst>
+              <a:ext uri="{C807C97D-BFC1-408E-A445-0C87EB9F89A2}">
+                <ask:lineSketchStyleProps xmlns:ask="http://schemas.microsoft.com/office/drawing/2018/sketchyshapes" sd="2863741219">
+                  <a:prstGeom prst="rect">
+                    <a:avLst/>
+                  </a:prstGeom>
+                  <ask:type>
+                    <ask:lineSketchFreehand/>
+                  </ask:type>
+                </ask:lineSketchStyleProps>
+              </a:ext>
+            </a:extLst>
+          </a:ln>
+        </p:spPr>
+        <p:style>
+          <a:lnRef idx="2">
+            <a:schemeClr val="accent1">
+              <a:shade val="50000"/>
+            </a:schemeClr>
+          </a:lnRef>
+          <a:fillRef idx="1">
+            <a:schemeClr val="accent1"/>
+          </a:fillRef>
+          <a:effectRef idx="0">
+            <a:schemeClr val="accent1"/>
+          </a:effectRef>
+          <a:fontRef idx="minor">
+            <a:schemeClr val="lt1"/>
+          </a:fontRef>
+        </p:style>
+        <p:txBody>
+          <a:bodyPr rtlCol="0" anchor="ctr"/>
+          <a:lstStyle/>
+          <a:p>
+            <a:pPr algn="ctr"/>
+            <a:endParaRPr lang="en-US"/>
+          </a:p>
+        </p:txBody>
+      </p:sp>
+      <p:sp>
+        <p:nvSpPr>
+          <p:cNvPr id="3" name="Content Placeholder 2">
+            <a:extLst>
+              <a:ext uri="{FF2B5EF4-FFF2-40B4-BE49-F238E27FC236}">
+                <a16:creationId xmlns:a16="http://schemas.microsoft.com/office/drawing/2014/main" id="{A5444709-E836-428B-3F8D-1D0B42839F84}"/>
+              </a:ext>
+            </a:extLst>
+          </p:cNvPr>
+          <p:cNvSpPr>
+            <a:spLocks noGrp="1"/>
+          </p:cNvSpPr>
+          <p:nvPr>
+            <p:ph idx="1"/>
+          </p:nvPr>
+        </p:nvSpPr>
+        <p:spPr>
+          <a:xfrm>
+            <a:off x="640080" y="2872899"/>
+            <a:ext cx="4243589" cy="3320668"/>
+          </a:xfrm>
+        </p:spPr>
+        <p:txBody>
+          <a:bodyPr>
+            <a:normAutofit/>
+          </a:bodyPr>
+          <a:lstStyle/>
+          <a:p>
+            <a:pPr marL="0" indent="0">
+              <a:buNone/>
+            </a:pPr>
+            <a:r>
+              <a:rPr lang="en-US" sz="1200" b="1"/>
               <a:t>Governance:</a:t>
             </a:r>
-          </a:p>
-          <a:p>
-            <a:r>
-              <a:rPr lang="en-US" dirty="0"/>
-              <a:t>Stats on membership</a:t>
-            </a:r>
-          </a:p>
-          <a:p>
-            <a:r>
-              <a:rPr lang="en-US" dirty="0"/>
-              <a:t>Type of members:</a:t>
-            </a:r>
-          </a:p>
-          <a:p>
-            <a:r>
-              <a:rPr lang="en-US" dirty="0"/>
-              <a:t>Membership levels and pricing</a:t>
-            </a:r>
-          </a:p>
-          <a:p>
-            <a:r>
-              <a:rPr lang="en-US" dirty="0"/>
-              <a:t>Types of members (role, function, or specialization in ecosystem)</a:t>
-            </a:r>
-          </a:p>
-          <a:p>
-            <a:r>
-              <a:rPr lang="en-US" dirty="0"/>
-              <a:t>Projects or </a:t>
-            </a:r>
-            <a:r>
-              <a:rPr lang="en-US" dirty="0" err="1"/>
-              <a:t>solutionss</a:t>
-            </a:r>
-            <a:endParaRPr lang="en-US" dirty="0"/>
-          </a:p>
-        </p:txBody>
-      </p:sp>
+            <a:r>
+              <a:rPr lang="en-US" sz="1200"/>
+              <a:t> </a:t>
+            </a:r>
+            <a:r>
+              <a:rPr lang="en-US" sz="1200" b="0" i="0">
+                <a:effectLst/>
+                <a:latin typeface="Roboto" panose="02000000000000000000" pitchFamily="2" charset="0"/>
+              </a:rPr>
+              <a:t>Terms of Use governing the creation and the listing of the NFT</a:t>
+            </a:r>
+            <a:endParaRPr lang="en-US" sz="1200"/>
+          </a:p>
+          <a:p>
+            <a:pPr marL="0" indent="0">
+              <a:buNone/>
+            </a:pPr>
+            <a:r>
+              <a:rPr lang="en-US" sz="1200" b="1"/>
+              <a:t>Membership levels and pricing:</a:t>
+            </a:r>
+            <a:r>
+              <a:rPr lang="en-US" sz="1200"/>
+              <a:t> </a:t>
+            </a:r>
+          </a:p>
+          <a:p>
+            <a:pPr lvl="1">
+              <a:buFont typeface="Courier New" panose="02070309020205020404" pitchFamily="49" charset="0"/>
+              <a:buChar char="o"/>
+            </a:pPr>
+            <a:r>
+              <a:rPr lang="en-US" sz="1200">
+                <a:highlight>
+                  <a:srgbClr val="FFFF00"/>
+                </a:highlight>
+              </a:rPr>
+              <a:t>$19.99 Month/User &amp; $497 Crypto Certified Agent Course</a:t>
+            </a:r>
+          </a:p>
+          <a:p>
+            <a:pPr marL="0" indent="0">
+              <a:buNone/>
+            </a:pPr>
+            <a:endParaRPr lang="en-US" sz="1200" b="1"/>
+          </a:p>
+          <a:p>
+            <a:pPr marL="0" indent="0">
+              <a:buNone/>
+            </a:pPr>
+            <a:r>
+              <a:rPr lang="en-US" sz="1200" b="1"/>
+              <a:t>Type of members: </a:t>
+            </a:r>
+          </a:p>
+          <a:p>
+            <a:pPr lvl="1">
+              <a:buFont typeface="Courier New" panose="02070309020205020404" pitchFamily="49" charset="0"/>
+              <a:buChar char="o"/>
+            </a:pPr>
+            <a:r>
+              <a:rPr lang="en-US" sz="1200"/>
+              <a:t>Agents </a:t>
+            </a:r>
+          </a:p>
+          <a:p>
+            <a:pPr lvl="2">
+              <a:buFont typeface="Courier New" panose="02070309020205020404" pitchFamily="49" charset="0"/>
+              <a:buChar char="o"/>
+            </a:pPr>
+            <a:r>
+              <a:rPr lang="en-US" sz="1200" b="1"/>
+              <a:t>Solutions: List a Property, Offer and Closing Platform, Mint a Deed NFT</a:t>
+            </a:r>
+            <a:endParaRPr lang="en-US" sz="1200"/>
+          </a:p>
+          <a:p>
+            <a:pPr lvl="1">
+              <a:buFont typeface="Courier New" panose="02070309020205020404" pitchFamily="49" charset="0"/>
+              <a:buChar char="o"/>
+            </a:pPr>
+            <a:r>
+              <a:rPr lang="en-US" sz="1200"/>
+              <a:t> Buyers  &amp; sellers</a:t>
+            </a:r>
+          </a:p>
+          <a:p>
+            <a:pPr lvl="2">
+              <a:buFont typeface="Courier New" panose="02070309020205020404" pitchFamily="49" charset="0"/>
+              <a:buChar char="o"/>
+            </a:pPr>
+            <a:r>
+              <a:rPr lang="en-US" sz="1200" b="1"/>
+              <a:t>Solutions: List a Property, Find Agent, Buy &amp; Sell Property as NFT, Mint a Deed NFT </a:t>
+            </a:r>
+            <a:endParaRPr lang="en-US" sz="1200"/>
+          </a:p>
+        </p:txBody>
+      </p:sp>
+      <p:pic>
+        <p:nvPicPr>
+          <p:cNvPr id="5" name="Picture 4">
+            <a:extLst>
+              <a:ext uri="{FF2B5EF4-FFF2-40B4-BE49-F238E27FC236}">
+                <a16:creationId xmlns:a16="http://schemas.microsoft.com/office/drawing/2014/main" id="{C01C5A7F-F907-4746-E984-14E4593F30BC}"/>
+              </a:ext>
+            </a:extLst>
+          </p:cNvPr>
+          <p:cNvPicPr>
+            <a:picLocks noChangeAspect="1"/>
+          </p:cNvPicPr>
+          <p:nvPr/>
+        </p:nvPicPr>
+        <p:blipFill rotWithShape="1">
+          <a:blip r:embed="rId2"/>
+          <a:srcRect l="12269" r="10673" b="1"/>
+          <a:stretch/>
+        </p:blipFill>
+        <p:spPr>
+          <a:xfrm>
+            <a:off x="5311702" y="10"/>
+            <a:ext cx="6878775" cy="6857990"/>
+          </a:xfrm>
+          <a:custGeom>
+            <a:avLst/>
+            <a:gdLst/>
+            <a:ahLst/>
+            <a:cxnLst/>
+            <a:rect l="l" t="t" r="r" b="b"/>
+            <a:pathLst>
+              <a:path w="6878775" h="6858000">
+                <a:moveTo>
+                  <a:pt x="1102973" y="0"/>
+                </a:moveTo>
+                <a:lnTo>
+                  <a:pt x="1160688" y="0"/>
+                </a:lnTo>
+                <a:lnTo>
+                  <a:pt x="983189" y="331786"/>
+                </a:lnTo>
+                <a:cubicBezTo>
+                  <a:pt x="914866" y="469145"/>
+                  <a:pt x="850355" y="608712"/>
+                  <a:pt x="789261" y="750263"/>
+                </a:cubicBezTo>
+                <a:cubicBezTo>
+                  <a:pt x="774307" y="784928"/>
+                  <a:pt x="759992" y="819849"/>
+                  <a:pt x="745295" y="854514"/>
+                </a:cubicBezTo>
+                <a:cubicBezTo>
+                  <a:pt x="756682" y="845393"/>
+                  <a:pt x="765489" y="833492"/>
+                  <a:pt x="770857" y="819975"/>
+                </a:cubicBezTo>
+                <a:cubicBezTo>
+                  <a:pt x="879943" y="589569"/>
+                  <a:pt x="999605" y="365513"/>
+                  <a:pt x="1131329" y="148742"/>
+                </a:cubicBezTo>
+                <a:lnTo>
+                  <a:pt x="1227589" y="0"/>
+                </a:lnTo>
+                <a:lnTo>
+                  <a:pt x="6878775" y="0"/>
+                </a:lnTo>
+                <a:lnTo>
+                  <a:pt x="6878775" y="6858000"/>
+                </a:lnTo>
+                <a:lnTo>
+                  <a:pt x="713521" y="6858000"/>
+                </a:lnTo>
+                <a:lnTo>
+                  <a:pt x="625642" y="6670527"/>
+                </a:lnTo>
+                <a:cubicBezTo>
+                  <a:pt x="507232" y="6398531"/>
+                  <a:pt x="403083" y="6118381"/>
+                  <a:pt x="312785" y="5830359"/>
+                </a:cubicBezTo>
+                <a:cubicBezTo>
+                  <a:pt x="278149" y="5719759"/>
+                  <a:pt x="248879" y="5607635"/>
+                  <a:pt x="212198" y="5480401"/>
+                </a:cubicBezTo>
+                <a:cubicBezTo>
+                  <a:pt x="212208" y="5491601"/>
+                  <a:pt x="212803" y="5502788"/>
+                  <a:pt x="213988" y="5513923"/>
+                </a:cubicBezTo>
+                <a:cubicBezTo>
+                  <a:pt x="264089" y="5723695"/>
+                  <a:pt x="307290" y="5935370"/>
+                  <a:pt x="365826" y="6142729"/>
+                </a:cubicBezTo>
+                <a:cubicBezTo>
+                  <a:pt x="433152" y="6380817"/>
+                  <a:pt x="510068" y="6614016"/>
+                  <a:pt x="597975" y="6841549"/>
+                </a:cubicBezTo>
+                <a:lnTo>
+                  <a:pt x="604824" y="6858000"/>
+                </a:lnTo>
+                <a:lnTo>
+                  <a:pt x="552056" y="6858000"/>
+                </a:lnTo>
+                <a:lnTo>
+                  <a:pt x="539576" y="6828295"/>
+                </a:lnTo>
+                <a:cubicBezTo>
+                  <a:pt x="380597" y="6414594"/>
+                  <a:pt x="260223" y="5988893"/>
+                  <a:pt x="171555" y="5552906"/>
+                </a:cubicBezTo>
+                <a:cubicBezTo>
+                  <a:pt x="91163" y="5157998"/>
+                  <a:pt x="43746" y="4758899"/>
+                  <a:pt x="12305" y="4357388"/>
+                </a:cubicBezTo>
+                <a:cubicBezTo>
+                  <a:pt x="-14281" y="4013908"/>
+                  <a:pt x="4507" y="3672965"/>
+                  <a:pt x="46684" y="3331516"/>
+                </a:cubicBezTo>
+                <a:cubicBezTo>
+                  <a:pt x="127203" y="2664286"/>
+                  <a:pt x="277819" y="2007265"/>
+                  <a:pt x="496065" y="1371196"/>
+                </a:cubicBezTo>
+                <a:cubicBezTo>
+                  <a:pt x="636273" y="966066"/>
+                  <a:pt x="800445" y="573253"/>
+                  <a:pt x="995723" y="196614"/>
+                </a:cubicBezTo>
+                <a:close/>
+              </a:path>
+            </a:pathLst>
+          </a:custGeom>
+        </p:spPr>
+      </p:pic>
     </p:spTree>
     <p:extLst>
       <p:ext uri="{BB962C8B-B14F-4D97-AF65-F5344CB8AC3E}">
